--- a/Damareen-MEGPROBALTUK.pptx
+++ b/Damareen-MEGPROBALTUK.pptx
@@ -140,7 +140,7 @@
       </p:grpSpPr>
       <p:sp>
         <p:nvSpPr>
-          <p:cNvPr id="807812801" name="Header Placeholder 1"/>
+          <p:cNvPr id="1764062265" name="Header Placeholder 1"/>
           <p:cNvSpPr>
             <a:spLocks noGrp="1"/>
           </p:cNvSpPr>
@@ -174,7 +174,7 @@
       </p:sp>
       <p:sp>
         <p:nvSpPr>
-          <p:cNvPr id="27718057" name="Date Placeholder 2"/>
+          <p:cNvPr id="1786864133" name="Date Placeholder 2"/>
           <p:cNvSpPr>
             <a:spLocks noGrp="1"/>
           </p:cNvSpPr>
@@ -212,7 +212,7 @@
       </p:sp>
       <p:sp>
         <p:nvSpPr>
-          <p:cNvPr id="1724056930" name="Slide Image Placeholder 3"/>
+          <p:cNvPr id="2046028704" name="Slide Image Placeholder 3"/>
           <p:cNvSpPr>
             <a:spLocks noChangeAspect="1" noGrp="1" noRot="1"/>
           </p:cNvSpPr>
@@ -248,7 +248,7 @@
       </p:sp>
       <p:sp>
         <p:nvSpPr>
-          <p:cNvPr id="966169402" name="Notes Placeholder 4"/>
+          <p:cNvPr id="985818221" name="Notes Placeholder 4"/>
           <p:cNvSpPr>
             <a:spLocks noGrp="1"/>
           </p:cNvSpPr>
@@ -322,7 +322,7 @@
       </p:sp>
       <p:sp>
         <p:nvSpPr>
-          <p:cNvPr id="1364784534" name="Footer Placeholder 5"/>
+          <p:cNvPr id="1053410192" name="Footer Placeholder 5"/>
           <p:cNvSpPr>
             <a:spLocks noGrp="1"/>
           </p:cNvSpPr>
@@ -356,7 +356,7 @@
       </p:sp>
       <p:sp>
         <p:nvSpPr>
-          <p:cNvPr id="375950866" name="Slide Number Placeholder 6"/>
+          <p:cNvPr id="1654476165" name="Slide Number Placeholder 6"/>
           <p:cNvSpPr>
             <a:spLocks noGrp="1"/>
           </p:cNvSpPr>
@@ -509,7 +509,7 @@
       </p:grpSpPr>
       <p:sp>
         <p:nvSpPr>
-          <p:cNvPr id="1466559557" name="Slide Image Placeholder 1"/>
+          <p:cNvPr id="406270270" name="Slide Image Placeholder 1"/>
           <p:cNvSpPr>
             <a:spLocks noChangeAspect="1" noGrp="1" noRot="1"/>
           </p:cNvSpPr>
@@ -526,7 +526,7 @@
       </p:sp>
       <p:sp>
         <p:nvSpPr>
-          <p:cNvPr id="199148792" name="Notes Placeholder 2"/>
+          <p:cNvPr id="1725740178" name="Notes Placeholder 2"/>
           <p:cNvSpPr>
             <a:spLocks noGrp="1"/>
           </p:cNvSpPr>
@@ -551,7 +551,7 @@
       </p:sp>
       <p:sp>
         <p:nvSpPr>
-          <p:cNvPr id="680986046" name="Slide Number Placeholder 3"/>
+          <p:cNvPr id="295686240" name="Slide Number Placeholder 3"/>
           <p:cNvSpPr>
             <a:spLocks noGrp="1"/>
           </p:cNvSpPr>
@@ -1112,7 +1112,7 @@
       </p:grpSpPr>
       <p:sp>
         <p:nvSpPr>
-          <p:cNvPr id="1079363686" name="Title 1"/>
+          <p:cNvPr id="772171161" name="Title 1"/>
           <p:cNvSpPr>
             <a:spLocks noGrp="1"/>
           </p:cNvSpPr>
@@ -1147,7 +1147,7 @@
       </p:sp>
       <p:sp>
         <p:nvSpPr>
-          <p:cNvPr id="1730174174" name="Subtitle 2"/>
+          <p:cNvPr id="605704766" name="Subtitle 2"/>
           <p:cNvSpPr>
             <a:spLocks noGrp="1"/>
           </p:cNvSpPr>
@@ -1215,7 +1215,7 @@
       </p:sp>
       <p:sp>
         <p:nvSpPr>
-          <p:cNvPr id="1607307542" name="Date Placeholder 3"/>
+          <p:cNvPr id="1268227294" name="Date Placeholder 3"/>
           <p:cNvSpPr>
             <a:spLocks noGrp="1"/>
           </p:cNvSpPr>
@@ -1241,7 +1241,7 @@
       </p:sp>
       <p:sp>
         <p:nvSpPr>
-          <p:cNvPr id="1916926017" name="Footer Placeholder 4"/>
+          <p:cNvPr id="1039656751" name="Footer Placeholder 4"/>
           <p:cNvSpPr>
             <a:spLocks noGrp="1"/>
           </p:cNvSpPr>
@@ -1263,7 +1263,7 @@
       </p:sp>
       <p:sp>
         <p:nvSpPr>
-          <p:cNvPr id="781736968" name="Slide Number Placeholder 5"/>
+          <p:cNvPr id="2718011" name="Slide Number Placeholder 5"/>
           <p:cNvSpPr>
             <a:spLocks noGrp="1"/>
           </p:cNvSpPr>
@@ -1314,7 +1314,7 @@
       </p:grpSpPr>
       <p:sp>
         <p:nvSpPr>
-          <p:cNvPr id="1275644274" name="Title 1"/>
+          <p:cNvPr id="816858348" name="Title 1"/>
           <p:cNvSpPr>
             <a:spLocks noGrp="1"/>
           </p:cNvSpPr>
@@ -1340,7 +1340,7 @@
       </p:sp>
       <p:sp>
         <p:nvSpPr>
-          <p:cNvPr id="1882594717" name="Vertical Text Placeholder 2"/>
+          <p:cNvPr id="1731118791" name="Vertical Text Placeholder 2"/>
           <p:cNvSpPr>
             <a:spLocks noGrp="1"/>
           </p:cNvSpPr>
@@ -1406,7 +1406,7 @@
       </p:sp>
       <p:sp>
         <p:nvSpPr>
-          <p:cNvPr id="684011102" name="Date Placeholder 3"/>
+          <p:cNvPr id="972208023" name="Date Placeholder 3"/>
           <p:cNvSpPr>
             <a:spLocks noGrp="1"/>
           </p:cNvSpPr>
@@ -1432,7 +1432,7 @@
       </p:sp>
       <p:sp>
         <p:nvSpPr>
-          <p:cNvPr id="518583822" name="Footer Placeholder 4"/>
+          <p:cNvPr id="1523378679" name="Footer Placeholder 4"/>
           <p:cNvSpPr>
             <a:spLocks noGrp="1"/>
           </p:cNvSpPr>
@@ -1454,7 +1454,7 @@
       </p:sp>
       <p:sp>
         <p:nvSpPr>
-          <p:cNvPr id="424602656" name="Slide Number Placeholder 5"/>
+          <p:cNvPr id="2137599974" name="Slide Number Placeholder 5"/>
           <p:cNvSpPr>
             <a:spLocks noGrp="1"/>
           </p:cNvSpPr>
@@ -1505,7 +1505,7 @@
       </p:grpSpPr>
       <p:sp>
         <p:nvSpPr>
-          <p:cNvPr id="1592036076" name="Vertical Title 1"/>
+          <p:cNvPr id="1322562137" name="Vertical Title 1"/>
           <p:cNvSpPr>
             <a:spLocks noGrp="1"/>
           </p:cNvSpPr>
@@ -1536,7 +1536,7 @@
       </p:sp>
       <p:sp>
         <p:nvSpPr>
-          <p:cNvPr id="1891092858" name="Vertical Text Placeholder 2"/>
+          <p:cNvPr id="900142621" name="Vertical Text Placeholder 2"/>
           <p:cNvSpPr>
             <a:spLocks noGrp="1"/>
           </p:cNvSpPr>
@@ -1607,7 +1607,7 @@
       </p:sp>
       <p:sp>
         <p:nvSpPr>
-          <p:cNvPr id="1558945726" name="Date Placeholder 3"/>
+          <p:cNvPr id="894033215" name="Date Placeholder 3"/>
           <p:cNvSpPr>
             <a:spLocks noGrp="1"/>
           </p:cNvSpPr>
@@ -1633,7 +1633,7 @@
       </p:sp>
       <p:sp>
         <p:nvSpPr>
-          <p:cNvPr id="1582809753" name="Footer Placeholder 4"/>
+          <p:cNvPr id="439480572" name="Footer Placeholder 4"/>
           <p:cNvSpPr>
             <a:spLocks noGrp="1"/>
           </p:cNvSpPr>
@@ -1655,7 +1655,7 @@
       </p:sp>
       <p:sp>
         <p:nvSpPr>
-          <p:cNvPr id="1621716397" name="Slide Number Placeholder 5"/>
+          <p:cNvPr id="620092234" name="Slide Number Placeholder 5"/>
           <p:cNvSpPr>
             <a:spLocks noGrp="1"/>
           </p:cNvSpPr>
@@ -1706,7 +1706,7 @@
       </p:grpSpPr>
       <p:sp>
         <p:nvSpPr>
-          <p:cNvPr id="1102185078" name="Title 1"/>
+          <p:cNvPr id="1437601118" name="Title 1"/>
           <p:cNvSpPr>
             <a:spLocks noGrp="1"/>
           </p:cNvSpPr>
@@ -1732,7 +1732,7 @@
       </p:sp>
       <p:sp>
         <p:nvSpPr>
-          <p:cNvPr id="757075550" name="Content Placeholder 2"/>
+          <p:cNvPr id="202234867" name="Content Placeholder 2"/>
           <p:cNvSpPr>
             <a:spLocks noGrp="1"/>
           </p:cNvSpPr>
@@ -1798,7 +1798,7 @@
       </p:sp>
       <p:sp>
         <p:nvSpPr>
-          <p:cNvPr id="220865398" name="Date Placeholder 3"/>
+          <p:cNvPr id="1145383051" name="Date Placeholder 3"/>
           <p:cNvSpPr>
             <a:spLocks noGrp="1"/>
           </p:cNvSpPr>
@@ -1824,7 +1824,7 @@
       </p:sp>
       <p:sp>
         <p:nvSpPr>
-          <p:cNvPr id="603952328" name="Footer Placeholder 4"/>
+          <p:cNvPr id="2044326932" name="Footer Placeholder 4"/>
           <p:cNvSpPr>
             <a:spLocks noGrp="1"/>
           </p:cNvSpPr>
@@ -1846,7 +1846,7 @@
       </p:sp>
       <p:sp>
         <p:nvSpPr>
-          <p:cNvPr id="11496778" name="Slide Number Placeholder 5"/>
+          <p:cNvPr id="1413743080" name="Slide Number Placeholder 5"/>
           <p:cNvSpPr>
             <a:spLocks noGrp="1"/>
           </p:cNvSpPr>
@@ -1897,7 +1897,7 @@
       </p:grpSpPr>
       <p:sp>
         <p:nvSpPr>
-          <p:cNvPr id="90095458" name="Title 1"/>
+          <p:cNvPr id="1499221442" name="Title 1"/>
           <p:cNvSpPr>
             <a:spLocks noGrp="1"/>
           </p:cNvSpPr>
@@ -1932,7 +1932,7 @@
       </p:sp>
       <p:sp>
         <p:nvSpPr>
-          <p:cNvPr id="577090898" name="Text Placeholder 2"/>
+          <p:cNvPr id="1966392701" name="Text Placeholder 2"/>
           <p:cNvSpPr>
             <a:spLocks noGrp="1"/>
           </p:cNvSpPr>
@@ -2054,7 +2054,7 @@
       </p:sp>
       <p:sp>
         <p:nvSpPr>
-          <p:cNvPr id="434569387" name="Date Placeholder 3"/>
+          <p:cNvPr id="1365431419" name="Date Placeholder 3"/>
           <p:cNvSpPr>
             <a:spLocks noGrp="1"/>
           </p:cNvSpPr>
@@ -2080,7 +2080,7 @@
       </p:sp>
       <p:sp>
         <p:nvSpPr>
-          <p:cNvPr id="21389714" name="Footer Placeholder 4"/>
+          <p:cNvPr id="1783394841" name="Footer Placeholder 4"/>
           <p:cNvSpPr>
             <a:spLocks noGrp="1"/>
           </p:cNvSpPr>
@@ -2102,7 +2102,7 @@
       </p:sp>
       <p:sp>
         <p:nvSpPr>
-          <p:cNvPr id="1828519542" name="Slide Number Placeholder 5"/>
+          <p:cNvPr id="69923131" name="Slide Number Placeholder 5"/>
           <p:cNvSpPr>
             <a:spLocks noGrp="1"/>
           </p:cNvSpPr>
@@ -2153,7 +2153,7 @@
       </p:grpSpPr>
       <p:sp>
         <p:nvSpPr>
-          <p:cNvPr id="1246381703" name="Title 1"/>
+          <p:cNvPr id="960807943" name="Title 1"/>
           <p:cNvSpPr>
             <a:spLocks noGrp="1"/>
           </p:cNvSpPr>
@@ -2179,7 +2179,7 @@
       </p:sp>
       <p:sp>
         <p:nvSpPr>
-          <p:cNvPr id="1051276684" name="Content Placeholder 2"/>
+          <p:cNvPr id="2122896285" name="Content Placeholder 2"/>
           <p:cNvSpPr>
             <a:spLocks noGrp="1"/>
           </p:cNvSpPr>
@@ -2250,7 +2250,7 @@
       </p:sp>
       <p:sp>
         <p:nvSpPr>
-          <p:cNvPr id="828249368" name="Content Placeholder 3"/>
+          <p:cNvPr id="134804505" name="Content Placeholder 3"/>
           <p:cNvSpPr>
             <a:spLocks noGrp="1"/>
           </p:cNvSpPr>
@@ -2321,7 +2321,7 @@
       </p:sp>
       <p:sp>
         <p:nvSpPr>
-          <p:cNvPr id="1720954487" name="Date Placeholder 4"/>
+          <p:cNvPr id="658650271" name="Date Placeholder 4"/>
           <p:cNvSpPr>
             <a:spLocks noGrp="1"/>
           </p:cNvSpPr>
@@ -2347,7 +2347,7 @@
       </p:sp>
       <p:sp>
         <p:nvSpPr>
-          <p:cNvPr id="858595753" name="Footer Placeholder 5"/>
+          <p:cNvPr id="995936446" name="Footer Placeholder 5"/>
           <p:cNvSpPr>
             <a:spLocks noGrp="1"/>
           </p:cNvSpPr>
@@ -2369,7 +2369,7 @@
       </p:sp>
       <p:sp>
         <p:nvSpPr>
-          <p:cNvPr id="1727378513" name="Slide Number Placeholder 6"/>
+          <p:cNvPr id="1247138001" name="Slide Number Placeholder 6"/>
           <p:cNvSpPr>
             <a:spLocks noGrp="1"/>
           </p:cNvSpPr>
@@ -2420,7 +2420,7 @@
       </p:grpSpPr>
       <p:sp>
         <p:nvSpPr>
-          <p:cNvPr id="1348702654" name="Title 1"/>
+          <p:cNvPr id="922959730" name="Title 1"/>
           <p:cNvSpPr>
             <a:spLocks noGrp="1"/>
           </p:cNvSpPr>
@@ -2451,7 +2451,7 @@
       </p:sp>
       <p:sp>
         <p:nvSpPr>
-          <p:cNvPr id="2019590858" name="Text Placeholder 2"/>
+          <p:cNvPr id="186617408" name="Text Placeholder 2"/>
           <p:cNvSpPr>
             <a:spLocks noGrp="1"/>
           </p:cNvSpPr>
@@ -2519,7 +2519,7 @@
       </p:sp>
       <p:sp>
         <p:nvSpPr>
-          <p:cNvPr id="1945435436" name="Content Placeholder 3"/>
+          <p:cNvPr id="1750282260" name="Content Placeholder 3"/>
           <p:cNvSpPr>
             <a:spLocks noGrp="1"/>
           </p:cNvSpPr>
@@ -2590,7 +2590,7 @@
       </p:sp>
       <p:sp>
         <p:nvSpPr>
-          <p:cNvPr id="1916838107" name="Text Placeholder 4"/>
+          <p:cNvPr id="662881049" name="Text Placeholder 4"/>
           <p:cNvSpPr>
             <a:spLocks noGrp="1"/>
           </p:cNvSpPr>
@@ -2658,7 +2658,7 @@
       </p:sp>
       <p:sp>
         <p:nvSpPr>
-          <p:cNvPr id="649520209" name="Content Placeholder 5"/>
+          <p:cNvPr id="625449538" name="Content Placeholder 5"/>
           <p:cNvSpPr>
             <a:spLocks noGrp="1"/>
           </p:cNvSpPr>
@@ -2729,7 +2729,7 @@
       </p:sp>
       <p:sp>
         <p:nvSpPr>
-          <p:cNvPr id="809762907" name="Date Placeholder 6"/>
+          <p:cNvPr id="1045316986" name="Date Placeholder 6"/>
           <p:cNvSpPr>
             <a:spLocks noGrp="1"/>
           </p:cNvSpPr>
@@ -2755,7 +2755,7 @@
       </p:sp>
       <p:sp>
         <p:nvSpPr>
-          <p:cNvPr id="868094837" name="Footer Placeholder 7"/>
+          <p:cNvPr id="476162809" name="Footer Placeholder 7"/>
           <p:cNvSpPr>
             <a:spLocks noGrp="1"/>
           </p:cNvSpPr>
@@ -2777,7 +2777,7 @@
       </p:sp>
       <p:sp>
         <p:nvSpPr>
-          <p:cNvPr id="985050958" name="Slide Number Placeholder 8"/>
+          <p:cNvPr id="762151023" name="Slide Number Placeholder 8"/>
           <p:cNvSpPr>
             <a:spLocks noGrp="1"/>
           </p:cNvSpPr>
@@ -2828,7 +2828,7 @@
       </p:grpSpPr>
       <p:sp>
         <p:nvSpPr>
-          <p:cNvPr id="96915857" name="Title 1"/>
+          <p:cNvPr id="929779180" name="Title 1"/>
           <p:cNvSpPr>
             <a:spLocks noGrp="1"/>
           </p:cNvSpPr>
@@ -2854,7 +2854,7 @@
       </p:sp>
       <p:sp>
         <p:nvSpPr>
-          <p:cNvPr id="802324655" name="Date Placeholder 2"/>
+          <p:cNvPr id="1798339192" name="Date Placeholder 2"/>
           <p:cNvSpPr>
             <a:spLocks noGrp="1"/>
           </p:cNvSpPr>
@@ -2880,7 +2880,7 @@
       </p:sp>
       <p:sp>
         <p:nvSpPr>
-          <p:cNvPr id="1447751703" name="Footer Placeholder 3"/>
+          <p:cNvPr id="773206927" name="Footer Placeholder 3"/>
           <p:cNvSpPr>
             <a:spLocks noGrp="1"/>
           </p:cNvSpPr>
@@ -2902,7 +2902,7 @@
       </p:sp>
       <p:sp>
         <p:nvSpPr>
-          <p:cNvPr id="1279309952" name="Slide Number Placeholder 4"/>
+          <p:cNvPr id="39756731" name="Slide Number Placeholder 4"/>
           <p:cNvSpPr>
             <a:spLocks noGrp="1"/>
           </p:cNvSpPr>
@@ -2953,7 +2953,7 @@
       </p:grpSpPr>
       <p:sp>
         <p:nvSpPr>
-          <p:cNvPr id="2087082730" name="Date Placeholder 1"/>
+          <p:cNvPr id="637425128" name="Date Placeholder 1"/>
           <p:cNvSpPr>
             <a:spLocks noGrp="1"/>
           </p:cNvSpPr>
@@ -2979,7 +2979,7 @@
       </p:sp>
       <p:sp>
         <p:nvSpPr>
-          <p:cNvPr id="837896652" name="Footer Placeholder 2"/>
+          <p:cNvPr id="1087751806" name="Footer Placeholder 2"/>
           <p:cNvSpPr>
             <a:spLocks noGrp="1"/>
           </p:cNvSpPr>
@@ -3001,7 +3001,7 @@
       </p:sp>
       <p:sp>
         <p:nvSpPr>
-          <p:cNvPr id="1600749641" name="Slide Number Placeholder 3"/>
+          <p:cNvPr id="67944278" name="Slide Number Placeholder 3"/>
           <p:cNvSpPr>
             <a:spLocks noGrp="1"/>
           </p:cNvSpPr>
@@ -3052,7 +3052,7 @@
       </p:grpSpPr>
       <p:sp>
         <p:nvSpPr>
-          <p:cNvPr id="2010963608" name="Title 1"/>
+          <p:cNvPr id="178217954" name="Title 1"/>
           <p:cNvSpPr>
             <a:spLocks noGrp="1"/>
           </p:cNvSpPr>
@@ -3087,7 +3087,7 @@
       </p:sp>
       <p:sp>
         <p:nvSpPr>
-          <p:cNvPr id="1466119140" name="Content Placeholder 2"/>
+          <p:cNvPr id="1649884699" name="Content Placeholder 2"/>
           <p:cNvSpPr>
             <a:spLocks noGrp="1"/>
           </p:cNvSpPr>
@@ -3186,7 +3186,7 @@
       </p:sp>
       <p:sp>
         <p:nvSpPr>
-          <p:cNvPr id="1193457362" name="Text Placeholder 3"/>
+          <p:cNvPr id="2113119008" name="Text Placeholder 3"/>
           <p:cNvSpPr>
             <a:spLocks noGrp="1"/>
           </p:cNvSpPr>
@@ -3254,7 +3254,7 @@
       </p:sp>
       <p:sp>
         <p:nvSpPr>
-          <p:cNvPr id="1182484471" name="Date Placeholder 4"/>
+          <p:cNvPr id="486828219" name="Date Placeholder 4"/>
           <p:cNvSpPr>
             <a:spLocks noGrp="1"/>
           </p:cNvSpPr>
@@ -3280,7 +3280,7 @@
       </p:sp>
       <p:sp>
         <p:nvSpPr>
-          <p:cNvPr id="737570409" name="Footer Placeholder 5"/>
+          <p:cNvPr id="504071793" name="Footer Placeholder 5"/>
           <p:cNvSpPr>
             <a:spLocks noGrp="1"/>
           </p:cNvSpPr>
@@ -3302,7 +3302,7 @@
       </p:sp>
       <p:sp>
         <p:nvSpPr>
-          <p:cNvPr id="443123524" name="Slide Number Placeholder 6"/>
+          <p:cNvPr id="1662823830" name="Slide Number Placeholder 6"/>
           <p:cNvSpPr>
             <a:spLocks noGrp="1"/>
           </p:cNvSpPr>
@@ -3353,7 +3353,7 @@
       </p:grpSpPr>
       <p:sp>
         <p:nvSpPr>
-          <p:cNvPr id="1145408792" name="Title 1"/>
+          <p:cNvPr id="1637461077" name="Title 1"/>
           <p:cNvSpPr>
             <a:spLocks noGrp="1"/>
           </p:cNvSpPr>
@@ -3388,7 +3388,7 @@
       </p:sp>
       <p:sp>
         <p:nvSpPr>
-          <p:cNvPr id="1499796210" name="Picture Placeholder 2"/>
+          <p:cNvPr id="604149773" name="Picture Placeholder 2"/>
           <p:cNvSpPr>
             <a:spLocks noChangeAspect="1" noGrp="1"/>
           </p:cNvSpPr>
@@ -3456,7 +3456,7 @@
       </p:sp>
       <p:sp>
         <p:nvSpPr>
-          <p:cNvPr id="2043463620" name="Text Placeholder 3"/>
+          <p:cNvPr id="495893516" name="Text Placeholder 3"/>
           <p:cNvSpPr>
             <a:spLocks noGrp="1"/>
           </p:cNvSpPr>
@@ -3524,7 +3524,7 @@
       </p:sp>
       <p:sp>
         <p:nvSpPr>
-          <p:cNvPr id="1643585212" name="Date Placeholder 4"/>
+          <p:cNvPr id="1786672567" name="Date Placeholder 4"/>
           <p:cNvSpPr>
             <a:spLocks noGrp="1"/>
           </p:cNvSpPr>
@@ -3550,7 +3550,7 @@
       </p:sp>
       <p:sp>
         <p:nvSpPr>
-          <p:cNvPr id="1642150415" name="Footer Placeholder 5"/>
+          <p:cNvPr id="70130685" name="Footer Placeholder 5"/>
           <p:cNvSpPr>
             <a:spLocks noGrp="1"/>
           </p:cNvSpPr>
@@ -3572,7 +3572,7 @@
       </p:sp>
       <p:sp>
         <p:nvSpPr>
-          <p:cNvPr id="670873122" name="Slide Number Placeholder 6"/>
+          <p:cNvPr id="680277760" name="Slide Number Placeholder 6"/>
           <p:cNvSpPr>
             <a:spLocks noGrp="1"/>
           </p:cNvSpPr>
@@ -3630,7 +3630,7 @@
       </p:grpSpPr>
       <p:sp>
         <p:nvSpPr>
-          <p:cNvPr id="891600512" name="Title Placeholder 1"/>
+          <p:cNvPr id="1789115758" name="Title Placeholder 1"/>
           <p:cNvSpPr>
             <a:spLocks noGrp="1"/>
           </p:cNvSpPr>
@@ -3666,7 +3666,7 @@
       </p:sp>
       <p:sp>
         <p:nvSpPr>
-          <p:cNvPr id="1260941862" name="Text Placeholder 2"/>
+          <p:cNvPr id="2114911232" name="Text Placeholder 2"/>
           <p:cNvSpPr>
             <a:spLocks noGrp="1"/>
           </p:cNvSpPr>
@@ -3742,7 +3742,7 @@
       </p:sp>
       <p:sp>
         <p:nvSpPr>
-          <p:cNvPr id="2113362308" name="Date Placeholder 3"/>
+          <p:cNvPr id="902748245" name="Date Placeholder 3"/>
           <p:cNvSpPr>
             <a:spLocks noGrp="1"/>
           </p:cNvSpPr>
@@ -3786,7 +3786,7 @@
       </p:sp>
       <p:sp>
         <p:nvSpPr>
-          <p:cNvPr id="1762991511" name="Footer Placeholder 4"/>
+          <p:cNvPr id="819288550" name="Footer Placeholder 4"/>
           <p:cNvSpPr>
             <a:spLocks noGrp="1"/>
           </p:cNvSpPr>
@@ -3826,7 +3826,7 @@
       </p:sp>
       <p:sp>
         <p:nvSpPr>
-          <p:cNvPr id="697294969" name="Slide Number Placeholder 5"/>
+          <p:cNvPr id="2037794151" name="Slide Number Placeholder 5"/>
           <p:cNvSpPr>
             <a:spLocks noGrp="1"/>
           </p:cNvSpPr>
@@ -4794,10 +4794,14 @@
   </p:clrMapOvr>
   <mc:AlternateContent xmlns:mc="http://schemas.openxmlformats.org/markup-compatibility/2006">
     <mc:Choice xmlns:p159="http://schemas.microsoft.com/office/powerpoint/2015/09/main" xmlns:p14="http://schemas.microsoft.com/office/powerpoint/2010/main" Requires="p159">
-      <p:transition p14:dur="2000" advClick="1"/>
+      <p:transition spd="med" p14:dur="500" advClick="1">
+        <p:fade thruBlk="0"/>
+      </p:transition>
     </mc:Choice>
     <mc:Fallback>
-      <p:transition advClick="1"/>
+      <p:transition spd="med" advClick="1">
+        <p:fade thruBlk="0"/>
+      </p:transition>
     </mc:Fallback>
   </mc:AlternateContent>
   <p:timing>
@@ -4809,7 +4813,7 @@
               <p:cTn id="2" dur="indefinite" nodeType="mainSeq">
                 <p:childTnLst>
                   <p:par>
-                    <p:cTn id="18" fill="hold">
+                    <p:cTn id="12" fill="hold">
                       <p:stCondLst>
                         <p:cond delay="indefinite"/>
                         <p:cond evt="begin" delay="0">
@@ -4818,20 +4822,20 @@
                       </p:stCondLst>
                       <p:childTnLst>
                         <p:par>
-                          <p:cTn id="26" fill="hold">
+                          <p:cTn id="24" fill="hold">
                             <p:stCondLst>
                               <p:cond delay="0"/>
                             </p:stCondLst>
                             <p:childTnLst>
                               <p:par>
-                                <p:cTn id="27" presetID="10" presetClass="entr" presetSubtype="0" fill="hold" grpId="0" nodeType="afterEffect">
+                                <p:cTn id="25" presetID="10" presetClass="entr" presetSubtype="0" fill="hold" grpId="0" nodeType="afterEffect">
                                   <p:stCondLst>
                                     <p:cond delay="0"/>
                                   </p:stCondLst>
                                   <p:childTnLst>
                                     <p:set>
                                       <p:cBhvr>
-                                        <p:cTn id="29" dur="1" fill="hold">
+                                        <p:cTn id="27" dur="1" fill="hold">
                                           <p:stCondLst>
                                             <p:cond delay="0"/>
                                           </p:stCondLst>
@@ -4849,7 +4853,7 @@
                                     </p:set>
                                     <p:animEffect transition="in" filter="fade">
                                       <p:cBhvr>
-                                        <p:cTn id="28" dur="500"/>
+                                        <p:cTn id="26" dur="500"/>
                                         <p:tgtEl>
                                           <p:spTgt spid="209869386"/>
                                         </p:tgtEl>
@@ -4862,20 +4866,20 @@
                           </p:cTn>
                         </p:par>
                         <p:par>
-                          <p:cTn id="19" fill="hold">
+                          <p:cTn id="17" fill="hold">
                             <p:stCondLst>
                               <p:cond delay="500"/>
                             </p:stCondLst>
                             <p:childTnLst>
                               <p:par>
-                                <p:cTn id="23" presetID="10" presetClass="entr" presetSubtype="0" fill="hold" grpId="0" nodeType="afterEffect">
+                                <p:cTn id="21" presetID="10" presetClass="entr" presetSubtype="0" fill="hold" grpId="0" nodeType="afterEffect">
                                   <p:stCondLst>
                                     <p:cond delay="0"/>
                                   </p:stCondLst>
                                   <p:childTnLst>
                                     <p:set>
                                       <p:cBhvr>
-                                        <p:cTn id="25" dur="1" fill="hold">
+                                        <p:cTn id="23" dur="1" fill="hold">
                                           <p:stCondLst>
                                             <p:cond delay="0"/>
                                           </p:stCondLst>
@@ -4893,7 +4897,7 @@
                                     </p:set>
                                     <p:animEffect transition="in" filter="fade">
                                       <p:cBhvr>
-                                        <p:cTn id="24" dur="500"/>
+                                        <p:cTn id="22" dur="500"/>
                                         <p:tgtEl>
                                           <p:spTgt spid="478589956"/>
                                         </p:tgtEl>
@@ -4903,14 +4907,14 @@
                                 </p:cTn>
                               </p:par>
                               <p:par>
-                                <p:cTn id="20" presetID="10" presetClass="entr" presetSubtype="0" fill="hold" grpId="0" nodeType="withEffect">
+                                <p:cTn id="18" presetID="10" presetClass="entr" presetSubtype="0" fill="hold" grpId="0" nodeType="withEffect">
                                   <p:stCondLst>
                                     <p:cond delay="0"/>
                                   </p:stCondLst>
                                   <p:childTnLst>
                                     <p:set>
                                       <p:cBhvr>
-                                        <p:cTn id="22" dur="1" fill="hold">
+                                        <p:cTn id="20" dur="1" fill="hold">
                                           <p:stCondLst>
                                             <p:cond delay="0"/>
                                           </p:stCondLst>
@@ -4928,7 +4932,7 @@
                                     </p:set>
                                     <p:animEffect transition="in" filter="fade">
                                       <p:cBhvr>
-                                        <p:cTn id="21" dur="500"/>
+                                        <p:cTn id="19" dur="500"/>
                                         <p:tgtEl>
                                           <p:spTgt spid="877546580"/>
                                         </p:tgtEl>
@@ -4940,30 +4944,21 @@
                             </p:childTnLst>
                           </p:cTn>
                         </p:par>
-                      </p:childTnLst>
-                    </p:cTn>
-                  </p:par>
-                  <p:par>
-                    <p:cTn id="13" fill="hold">
-                      <p:stCondLst>
-                        <p:cond delay="indefinite"/>
-                      </p:stCondLst>
-                      <p:childTnLst>
                         <p:par>
-                          <p:cTn id="14" fill="hold">
+                          <p:cTn id="13" fill="hold">
                             <p:stCondLst>
-                              <p:cond delay="0"/>
+                              <p:cond delay="1000"/>
                             </p:stCondLst>
                             <p:childTnLst>
                               <p:par>
-                                <p:cTn id="15" presetID="10" presetClass="entr" presetSubtype="0" fill="hold" grpId="0" nodeType="clickEffect">
+                                <p:cTn id="14" presetID="10" presetClass="entr" presetSubtype="0" fill="hold" grpId="0" nodeType="afterEffect">
                                   <p:stCondLst>
                                     <p:cond delay="0"/>
                                   </p:stCondLst>
                                   <p:childTnLst>
                                     <p:set>
                                       <p:cBhvr>
-                                        <p:cTn id="17" dur="1" fill="hold">
+                                        <p:cTn id="16" dur="1" fill="hold">
                                           <p:stCondLst>
                                             <p:cond delay="0"/>
                                           </p:stCondLst>
@@ -4981,62 +4976,9 @@
                                     </p:set>
                                     <p:animEffect transition="in" filter="fade">
                                       <p:cBhvr>
-                                        <p:cTn id="16" dur="500"/>
+                                        <p:cTn id="15" dur="500"/>
                                         <p:tgtEl>
                                           <p:spTgt spid="970794803"/>
-                                        </p:tgtEl>
-                                      </p:cBhvr>
-                                    </p:animEffect>
-                                  </p:childTnLst>
-                                </p:cTn>
-                              </p:par>
-                            </p:childTnLst>
-                          </p:cTn>
-                        </p:par>
-                      </p:childTnLst>
-                    </p:cTn>
-                  </p:par>
-                  <p:par>
-                    <p:cTn id="8" fill="hold">
-                      <p:stCondLst>
-                        <p:cond delay="indefinite"/>
-                      </p:stCondLst>
-                      <p:childTnLst>
-                        <p:par>
-                          <p:cTn id="9" fill="hold">
-                            <p:stCondLst>
-                              <p:cond delay="0"/>
-                            </p:stCondLst>
-                            <p:childTnLst>
-                              <p:par>
-                                <p:cTn id="10" presetID="10" presetClass="entr" presetSubtype="0" fill="hold" grpId="0" nodeType="clickEffect">
-                                  <p:stCondLst>
-                                    <p:cond delay="0"/>
-                                  </p:stCondLst>
-                                  <p:childTnLst>
-                                    <p:set>
-                                      <p:cBhvr>
-                                        <p:cTn id="12" dur="1" fill="hold">
-                                          <p:stCondLst>
-                                            <p:cond delay="0"/>
-                                          </p:stCondLst>
-                                        </p:cTn>
-                                        <p:tgtEl>
-                                          <p:spTgt spid="2070380664"/>
-                                        </p:tgtEl>
-                                        <p:attrNameLst>
-                                          <p:attrName>style.visibility</p:attrName>
-                                        </p:attrNameLst>
-                                      </p:cBhvr>
-                                      <p:to>
-                                        <p:strVal val="visible"/>
-                                      </p:to>
-                                    </p:set>
-                                    <p:animEffect transition="in" filter="fade">
-                                      <p:cBhvr>
-                                        <p:cTn id="11" dur="500"/>
-                                        <p:tgtEl>
-                                          <p:spTgt spid="2070380664"/>
                                         </p:tgtEl>
                                       </p:cBhvr>
                                     </p:animEffect>
@@ -5056,13 +4998,57 @@
                       </p:stCondLst>
                       <p:childTnLst>
                         <p:par>
-                          <p:cTn id="4" fill="hold">
+                          <p:cTn id="8" fill="hold">
                             <p:stCondLst>
                               <p:cond delay="0"/>
                             </p:stCondLst>
                             <p:childTnLst>
                               <p:par>
-                                <p:cTn id="5" presetID="10" presetClass="entr" presetSubtype="0" fill="hold" grpId="0" nodeType="clickEffect">
+                                <p:cTn id="9" presetID="10" presetClass="entr" presetSubtype="0" fill="hold" grpId="0" nodeType="clickEffect">
+                                  <p:stCondLst>
+                                    <p:cond delay="0"/>
+                                  </p:stCondLst>
+                                  <p:childTnLst>
+                                    <p:set>
+                                      <p:cBhvr>
+                                        <p:cTn id="11" dur="1" fill="hold">
+                                          <p:stCondLst>
+                                            <p:cond delay="0"/>
+                                          </p:stCondLst>
+                                        </p:cTn>
+                                        <p:tgtEl>
+                                          <p:spTgt spid="2070380664"/>
+                                        </p:tgtEl>
+                                        <p:attrNameLst>
+                                          <p:attrName>style.visibility</p:attrName>
+                                        </p:attrNameLst>
+                                      </p:cBhvr>
+                                      <p:to>
+                                        <p:strVal val="visible"/>
+                                      </p:to>
+                                    </p:set>
+                                    <p:animEffect transition="in" filter="fade">
+                                      <p:cBhvr>
+                                        <p:cTn id="10" dur="500"/>
+                                        <p:tgtEl>
+                                          <p:spTgt spid="2070380664"/>
+                                        </p:tgtEl>
+                                      </p:cBhvr>
+                                    </p:animEffect>
+                                  </p:childTnLst>
+                                </p:cTn>
+                              </p:par>
+                            </p:childTnLst>
+                          </p:cTn>
+                        </p:par>
+                        <p:par>
+                          <p:cTn id="4" fill="hold">
+                            <p:stCondLst>
+                              <p:cond delay="500"/>
+                            </p:stCondLst>
+                            <p:childTnLst>
+                              <p:par>
+                                <p:cTn id="5" presetID="10" presetClass="entr" presetSubtype="0" fill="hold" grpId="0" nodeType="afterEffect">
                                   <p:stCondLst>
                                     <p:cond delay="0"/>
                                   </p:stCondLst>
@@ -5284,10 +5270,14 @@
   </p:clrMapOvr>
   <mc:AlternateContent xmlns:mc="http://schemas.openxmlformats.org/markup-compatibility/2006">
     <mc:Choice xmlns:p159="http://schemas.microsoft.com/office/powerpoint/2015/09/main" xmlns:p14="http://schemas.microsoft.com/office/powerpoint/2010/main" Requires="p159">
-      <p:transition p14:dur="2000" advClick="1"/>
+      <p:transition spd="med" p14:dur="500" advClick="1">
+        <p:fade thruBlk="0"/>
+      </p:transition>
     </mc:Choice>
     <mc:Fallback>
-      <p:transition advClick="1"/>
+      <p:transition spd="med" advClick="1">
+        <p:fade thruBlk="0"/>
+      </p:transition>
     </mc:Fallback>
   </mc:AlternateContent>
   <p:timing>
@@ -5655,8 +5645,8 @@
         </p:blipFill>
         <p:spPr bwMode="auto">
           <a:xfrm flipH="0" flipV="0">
-            <a:off x="208794" y="3452832"/>
-            <a:ext cx="6650179" cy="3371619"/>
+            <a:off x="208794" y="4046817"/>
+            <a:ext cx="5478604" cy="2777634"/>
           </a:xfrm>
           <a:prstGeom prst="rect">
             <a:avLst/>
@@ -5780,10 +5770,14 @@
   </p:clrMapOvr>
   <mc:AlternateContent xmlns:mc="http://schemas.openxmlformats.org/markup-compatibility/2006">
     <mc:Choice xmlns:p159="http://schemas.microsoft.com/office/powerpoint/2015/09/main" xmlns:p14="http://schemas.microsoft.com/office/powerpoint/2010/main" Requires="p159">
-      <p:transition p14:dur="2000" advClick="1"/>
+      <p:transition spd="med" p14:dur="500" advClick="1">
+        <p:fade thruBlk="0"/>
+      </p:transition>
     </mc:Choice>
     <mc:Fallback>
-      <p:transition advClick="1"/>
+      <p:transition spd="med" advClick="1">
+        <p:fade thruBlk="0"/>
+      </p:transition>
     </mc:Fallback>
   </mc:AlternateContent>
   <p:timing>
@@ -5911,7 +5905,7 @@
                                           </p:stCondLst>
                                         </p:cTn>
                                         <p:tgtEl>
-                                          <p:spTgt spid="696012218"/>
+                                          <p:spTgt spid="342672356"/>
                                         </p:tgtEl>
                                         <p:attrNameLst>
                                           <p:attrName>style.visibility</p:attrName>
@@ -5925,7 +5919,7 @@
                                       <p:cBhvr>
                                         <p:cTn id="20" dur="500"/>
                                         <p:tgtEl>
-                                          <p:spTgt spid="696012218"/>
+                                          <p:spTgt spid="342672356"/>
                                         </p:tgtEl>
                                       </p:cBhvr>
                                     </p:animEffect>
@@ -5955,7 +5949,7 @@
                                           </p:stCondLst>
                                         </p:cTn>
                                         <p:tgtEl>
-                                          <p:spTgt spid="342672356"/>
+                                          <p:spTgt spid="696012218"/>
                                         </p:tgtEl>
                                         <p:attrNameLst>
                                           <p:attrName>style.visibility</p:attrName>
@@ -5969,7 +5963,7 @@
                                       <p:cBhvr>
                                         <p:cTn id="16" dur="500"/>
                                         <p:tgtEl>
-                                          <p:spTgt spid="342672356"/>
+                                          <p:spTgt spid="696012218"/>
                                         </p:tgtEl>
                                       </p:cBhvr>
                                     </p:animEffect>
@@ -6139,7 +6133,7 @@
       </p:grpSpPr>
       <p:pic>
         <p:nvPicPr>
-          <p:cNvPr id="676533495" name=""/>
+          <p:cNvPr id="1042231891" name=""/>
           <p:cNvPicPr>
             <a:picLocks noChangeAspect="1"/>
           </p:cNvPicPr>
@@ -6151,8 +6145,8 @@
         </p:blipFill>
         <p:spPr bwMode="auto">
           <a:xfrm>
-            <a:off x="381877" y="2762249"/>
-            <a:ext cx="3276599" cy="419099"/>
+            <a:off x="381877" y="3562349"/>
+            <a:ext cx="3105149" cy="419099"/>
           </a:xfrm>
           <a:prstGeom prst="rect">
             <a:avLst/>
@@ -6161,7 +6155,7 @@
       </p:pic>
       <p:pic>
         <p:nvPicPr>
-          <p:cNvPr id="1222072476" name=""/>
+          <p:cNvPr id="594781104" name=""/>
           <p:cNvPicPr>
             <a:picLocks noChangeAspect="1"/>
           </p:cNvPicPr>
@@ -6172,9 +6166,9 @@
           <a:stretch/>
         </p:blipFill>
         <p:spPr bwMode="auto">
-          <a:xfrm rot="0" flipH="0" flipV="0">
-            <a:off x="2420227" y="73151"/>
-            <a:ext cx="7872983" cy="1764792"/>
+          <a:xfrm>
+            <a:off x="381877" y="1962149"/>
+            <a:ext cx="1571625" cy="419099"/>
           </a:xfrm>
           <a:prstGeom prst="rect">
             <a:avLst/>
@@ -6183,7 +6177,7 @@
       </p:pic>
       <p:pic>
         <p:nvPicPr>
-          <p:cNvPr id="931285386" name=""/>
+          <p:cNvPr id="1076749577" name=""/>
           <p:cNvPicPr>
             <a:picLocks noChangeAspect="1"/>
           </p:cNvPicPr>
@@ -6194,9 +6188,9 @@
           <a:stretch/>
         </p:blipFill>
         <p:spPr bwMode="auto">
-          <a:xfrm>
-            <a:off x="381877" y="1962149"/>
-            <a:ext cx="857250" cy="419099"/>
+          <a:xfrm rot="0" flipH="0" flipV="0">
+            <a:off x="2330576" y="73151"/>
+            <a:ext cx="8183879" cy="1764792"/>
           </a:xfrm>
           <a:prstGeom prst="rect">
             <a:avLst/>
@@ -6205,7 +6199,7 @@
       </p:pic>
       <p:pic>
         <p:nvPicPr>
-          <p:cNvPr id="415996815" name=""/>
+          <p:cNvPr id="1389744412" name=""/>
           <p:cNvPicPr>
             <a:picLocks noChangeAspect="1"/>
           </p:cNvPicPr>
@@ -6217,8 +6211,8 @@
         </p:blipFill>
         <p:spPr bwMode="auto">
           <a:xfrm>
-            <a:off x="381877" y="3562349"/>
-            <a:ext cx="1724024" cy="419099"/>
+            <a:off x="381877" y="2762249"/>
+            <a:ext cx="2190749" cy="419099"/>
           </a:xfrm>
           <a:prstGeom prst="rect">
             <a:avLst/>
@@ -6227,26 +6221,20 @@
       </p:pic>
       <p:pic>
         <p:nvPicPr>
-          <p:cNvPr id="1609781801" name=""/>
+          <p:cNvPr id="317424924" name=""/>
           <p:cNvPicPr>
             <a:picLocks noChangeAspect="1"/>
           </p:cNvPicPr>
           <p:nvPr/>
         </p:nvPicPr>
         <p:blipFill rotWithShape="1">
-          <a:blip r:embed="rId7">
-            <a:extLst>
-              <a:ext uri="{96DAC541-7B7A-43D3-8B79-37D633B846F1}">
-                <asvg:svgBlip xmlns:asvg="http://schemas.microsoft.com/office/drawing/2016/SVG/main" r:embed="rId8"/>
-              </a:ext>
-            </a:extLst>
-          </a:blip>
+          <a:blip r:embed="rId7"/>
           <a:stretch/>
         </p:blipFill>
         <p:spPr bwMode="auto">
           <a:xfrm flipH="0" flipV="0">
-            <a:off x="4666759" y="2170267"/>
-            <a:ext cx="7220440" cy="3220882"/>
+            <a:off x="86602" y="5452377"/>
+            <a:ext cx="3762472" cy="1262747"/>
           </a:xfrm>
           <a:prstGeom prst="rect">
             <a:avLst/>
@@ -6255,21 +6243,20 @@
       </p:pic>
       <p:pic>
         <p:nvPicPr>
-          <p:cNvPr id="642184898" name=""/>
+          <p:cNvPr id="847452718" name=""/>
           <p:cNvPicPr>
             <a:picLocks noChangeAspect="1"/>
           </p:cNvPicPr>
           <p:nvPr/>
         </p:nvPicPr>
         <p:blipFill rotWithShape="1">
-          <a:blip r:embed="rId9"/>
-          <a:srcRect l="0" t="16931" r="0" b="0"/>
+          <a:blip r:embed="rId8"/>
           <a:stretch/>
         </p:blipFill>
         <p:spPr bwMode="auto">
           <a:xfrm flipH="0" flipV="0">
-            <a:off x="381877" y="5067299"/>
-            <a:ext cx="1656648" cy="1495424"/>
+            <a:off x="8775127" y="4265824"/>
+            <a:ext cx="3478658" cy="1956745"/>
           </a:xfrm>
           <a:prstGeom prst="rect">
             <a:avLst/>
@@ -6278,7 +6265,29 @@
       </p:pic>
       <p:pic>
         <p:nvPicPr>
-          <p:cNvPr id="293954512" name=""/>
+          <p:cNvPr id="1614579584" name=""/>
+          <p:cNvPicPr>
+            <a:picLocks noChangeAspect="1"/>
+          </p:cNvPicPr>
+          <p:nvPr/>
+        </p:nvPicPr>
+        <p:blipFill rotWithShape="1">
+          <a:blip r:embed="rId9"/>
+          <a:stretch/>
+        </p:blipFill>
+        <p:spPr bwMode="auto">
+          <a:xfrm flipH="0" flipV="0">
+            <a:off x="7188113" y="4251479"/>
+            <a:ext cx="1985435" cy="1985435"/>
+          </a:xfrm>
+          <a:prstGeom prst="rect">
+            <a:avLst/>
+          </a:prstGeom>
+        </p:spPr>
+      </p:pic>
+      <p:pic>
+        <p:nvPicPr>
+          <p:cNvPr id="2082760202" name=""/>
           <p:cNvPicPr>
             <a:picLocks noChangeAspect="1"/>
           </p:cNvPicPr>
@@ -6290,8 +6299,8 @@
         </p:blipFill>
         <p:spPr bwMode="auto">
           <a:xfrm flipH="0" flipV="0">
-            <a:off x="2277352" y="5229225"/>
-            <a:ext cx="1628431" cy="1171574"/>
+            <a:off x="9619297" y="2076640"/>
+            <a:ext cx="1790318" cy="1790318"/>
           </a:xfrm>
           <a:prstGeom prst="rect">
             <a:avLst/>
@@ -6305,10 +6314,14 @@
   </p:clrMapOvr>
   <mc:AlternateContent xmlns:mc="http://schemas.openxmlformats.org/markup-compatibility/2006">
     <mc:Choice xmlns:p159="http://schemas.microsoft.com/office/powerpoint/2015/09/main" xmlns:p14="http://schemas.microsoft.com/office/powerpoint/2010/main" Requires="p159">
-      <p:transition p14:dur="2000" advClick="1"/>
+      <p:transition spd="med" p14:dur="500" advClick="1">
+        <p:fade thruBlk="0"/>
+      </p:transition>
     </mc:Choice>
     <mc:Fallback>
-      <p:transition advClick="1"/>
+      <p:transition spd="med" advClick="1">
+        <p:fade thruBlk="0"/>
+      </p:transition>
     </mc:Fallback>
   </mc:AlternateContent>
   <p:timing>
@@ -6320,7 +6333,7 @@
               <p:cTn id="2" dur="indefinite" nodeType="mainSeq">
                 <p:childTnLst>
                   <p:par>
-                    <p:cTn id="21" fill="hold">
+                    <p:cTn id="20" fill="hold">
                       <p:stCondLst>
                         <p:cond delay="indefinite"/>
                         <p:cond evt="begin" delay="0">
@@ -6329,26 +6342,26 @@
                       </p:stCondLst>
                       <p:childTnLst>
                         <p:par>
-                          <p:cTn id="30" fill="hold">
+                          <p:cTn id="32" fill="hold">
                             <p:stCondLst>
                               <p:cond delay="0"/>
                             </p:stCondLst>
                             <p:childTnLst>
                               <p:par>
-                                <p:cTn id="31" presetID="10" presetClass="entr" presetSubtype="0" fill="hold" grpId="0" nodeType="afterEffect">
+                                <p:cTn id="33" presetID="10" presetClass="entr" presetSubtype="0" fill="hold" grpId="0" nodeType="afterEffect">
                                   <p:stCondLst>
                                     <p:cond delay="0"/>
                                   </p:stCondLst>
                                   <p:childTnLst>
                                     <p:set>
                                       <p:cBhvr>
-                                        <p:cTn id="33" dur="1" fill="hold">
+                                        <p:cTn id="35" dur="1" fill="hold">
                                           <p:stCondLst>
                                             <p:cond delay="0"/>
                                           </p:stCondLst>
                                         </p:cTn>
                                         <p:tgtEl>
-                                          <p:spTgt spid="1222072476"/>
+                                          <p:spTgt spid="1076749577"/>
                                         </p:tgtEl>
                                         <p:attrNameLst>
                                           <p:attrName>style.visibility</p:attrName>
@@ -6360,9 +6373,9 @@
                                     </p:set>
                                     <p:animEffect transition="in" filter="fade">
                                       <p:cBhvr>
-                                        <p:cTn id="32" dur="500"/>
+                                        <p:cTn id="34" dur="500"/>
                                         <p:tgtEl>
-                                          <p:spTgt spid="1222072476"/>
+                                          <p:spTgt spid="1076749577"/>
                                         </p:tgtEl>
                                       </p:cBhvr>
                                     </p:animEffect>
@@ -6373,26 +6386,26 @@
                           </p:cTn>
                         </p:par>
                         <p:par>
-                          <p:cTn id="26" fill="hold">
+                          <p:cTn id="25" fill="hold">
                             <p:stCondLst>
                               <p:cond delay="500"/>
                             </p:stCondLst>
                             <p:childTnLst>
                               <p:par>
-                                <p:cTn id="27" presetID="10" presetClass="entr" presetSubtype="0" fill="hold" grpId="0" nodeType="afterEffect">
+                                <p:cTn id="29" presetID="10" presetClass="entr" presetSubtype="0" fill="hold" grpId="0" nodeType="afterEffect">
                                   <p:stCondLst>
                                     <p:cond delay="0"/>
                                   </p:stCondLst>
                                   <p:childTnLst>
                                     <p:set>
                                       <p:cBhvr>
-                                        <p:cTn id="29" dur="1" fill="hold">
+                                        <p:cTn id="31" dur="1" fill="hold">
                                           <p:stCondLst>
                                             <p:cond delay="0"/>
                                           </p:stCondLst>
                                         </p:cTn>
                                         <p:tgtEl>
-                                          <p:spTgt spid="931285386"/>
+                                          <p:spTgt spid="594781104"/>
                                         </p:tgtEl>
                                         <p:attrNameLst>
                                           <p:attrName>style.visibility</p:attrName>
@@ -6404,39 +6417,30 @@
                                     </p:set>
                                     <p:animEffect transition="in" filter="fade">
                                       <p:cBhvr>
-                                        <p:cTn id="28" dur="500"/>
+                                        <p:cTn id="30" dur="500"/>
                                         <p:tgtEl>
-                                          <p:spTgt spid="931285386"/>
+                                          <p:spTgt spid="594781104"/>
                                         </p:tgtEl>
                                       </p:cBhvr>
                                     </p:animEffect>
                                   </p:childTnLst>
                                 </p:cTn>
                               </p:par>
-                            </p:childTnLst>
-                          </p:cTn>
-                        </p:par>
-                        <p:par>
-                          <p:cTn id="22" fill="hold">
-                            <p:stCondLst>
-                              <p:cond delay="1000"/>
-                            </p:stCondLst>
-                            <p:childTnLst>
                               <p:par>
-                                <p:cTn id="23" presetID="10" presetClass="entr" presetSubtype="0" fill="hold" grpId="0" nodeType="afterEffect">
+                                <p:cTn id="26" presetID="10" presetClass="entr" presetSubtype="0" fill="hold" grpId="0" nodeType="withEffect">
                                   <p:stCondLst>
                                     <p:cond delay="0"/>
                                   </p:stCondLst>
                                   <p:childTnLst>
                                     <p:set>
                                       <p:cBhvr>
-                                        <p:cTn id="25" dur="1" fill="hold">
+                                        <p:cTn id="28" dur="1" fill="hold">
                                           <p:stCondLst>
                                             <p:cond delay="0"/>
                                           </p:stCondLst>
                                         </p:cTn>
                                         <p:tgtEl>
-                                          <p:spTgt spid="1609781801"/>
+                                          <p:spTgt spid="1389744412"/>
                                         </p:tgtEl>
                                         <p:attrNameLst>
                                           <p:attrName>style.visibility</p:attrName>
@@ -6448,9 +6452,9 @@
                                     </p:set>
                                     <p:animEffect transition="in" filter="fade">
                                       <p:cBhvr>
-                                        <p:cTn id="24" dur="500"/>
+                                        <p:cTn id="27" dur="500"/>
                                         <p:tgtEl>
-                                          <p:spTgt spid="1609781801"/>
+                                          <p:spTgt spid="1389744412"/>
                                         </p:tgtEl>
                                       </p:cBhvr>
                                     </p:animEffect>
@@ -6460,36 +6464,27 @@
                             </p:childTnLst>
                           </p:cTn>
                         </p:par>
-                      </p:childTnLst>
-                    </p:cTn>
-                  </p:par>
-                  <p:par>
-                    <p:cTn id="12" fill="hold">
-                      <p:stCondLst>
-                        <p:cond delay="indefinite"/>
-                      </p:stCondLst>
-                      <p:childTnLst>
                         <p:par>
-                          <p:cTn id="17" fill="hold">
+                          <p:cTn id="21" fill="hold">
                             <p:stCondLst>
-                              <p:cond delay="0"/>
+                              <p:cond delay="1000"/>
                             </p:stCondLst>
                             <p:childTnLst>
                               <p:par>
-                                <p:cTn id="18" presetID="10" presetClass="entr" presetSubtype="0" fill="hold" grpId="0" nodeType="clickEffect">
+                                <p:cTn id="22" presetID="10" presetClass="entr" presetSubtype="0" fill="hold" grpId="0" nodeType="afterEffect">
                                   <p:stCondLst>
                                     <p:cond delay="0"/>
                                   </p:stCondLst>
                                   <p:childTnLst>
                                     <p:set>
                                       <p:cBhvr>
-                                        <p:cTn id="20" dur="1" fill="hold">
+                                        <p:cTn id="24" dur="1" fill="hold">
                                           <p:stCondLst>
                                             <p:cond delay="0"/>
                                           </p:stCondLst>
                                         </p:cTn>
                                         <p:tgtEl>
-                                          <p:spTgt spid="676533495"/>
+                                          <p:spTgt spid="2082760202"/>
                                         </p:tgtEl>
                                         <p:attrNameLst>
                                           <p:attrName>style.visibility</p:attrName>
@@ -6501,53 +6496,9 @@
                                     </p:set>
                                     <p:animEffect transition="in" filter="fade">
                                       <p:cBhvr>
-                                        <p:cTn id="19" dur="500"/>
+                                        <p:cTn id="23" dur="500"/>
                                         <p:tgtEl>
-                                          <p:spTgt spid="676533495"/>
-                                        </p:tgtEl>
-                                      </p:cBhvr>
-                                    </p:animEffect>
-                                  </p:childTnLst>
-                                </p:cTn>
-                              </p:par>
-                            </p:childTnLst>
-                          </p:cTn>
-                        </p:par>
-                        <p:par>
-                          <p:cTn id="13" fill="hold">
-                            <p:stCondLst>
-                              <p:cond delay="500"/>
-                            </p:stCondLst>
-                            <p:childTnLst>
-                              <p:par>
-                                <p:cTn id="14" presetID="10" presetClass="entr" presetSubtype="0" fill="hold" grpId="0" nodeType="afterEffect">
-                                  <p:stCondLst>
-                                    <p:cond delay="0"/>
-                                  </p:stCondLst>
-                                  <p:childTnLst>
-                                    <p:set>
-                                      <p:cBhvr>
-                                        <p:cTn id="16" dur="1" fill="hold">
-                                          <p:stCondLst>
-                                            <p:cond delay="0"/>
-                                          </p:stCondLst>
-                                        </p:cTn>
-                                        <p:tgtEl>
-                                          <p:spTgt spid="642184898"/>
-                                        </p:tgtEl>
-                                        <p:attrNameLst>
-                                          <p:attrName>style.visibility</p:attrName>
-                                        </p:attrNameLst>
-                                      </p:cBhvr>
-                                      <p:to>
-                                        <p:strVal val="visible"/>
-                                      </p:to>
-                                    </p:set>
-                                    <p:animEffect transition="in" filter="fade">
-                                      <p:cBhvr>
-                                        <p:cTn id="15" dur="500"/>
-                                        <p:tgtEl>
-                                          <p:spTgt spid="642184898"/>
+                                          <p:spTgt spid="2082760202"/>
                                         </p:tgtEl>
                                       </p:cBhvr>
                                     </p:animEffect>
@@ -6567,13 +6518,101 @@
                       </p:stCondLst>
                       <p:childTnLst>
                         <p:par>
-                          <p:cTn id="8" fill="hold">
+                          <p:cTn id="16" fill="hold">
                             <p:stCondLst>
                               <p:cond delay="0"/>
                             </p:stCondLst>
                             <p:childTnLst>
                               <p:par>
-                                <p:cTn id="9" presetID="10" presetClass="entr" presetSubtype="0" fill="hold" grpId="0" nodeType="clickEffect">
+                                <p:cTn id="17" presetID="10" presetClass="entr" presetSubtype="0" fill="hold" grpId="0" nodeType="clickEffect">
+                                  <p:stCondLst>
+                                    <p:cond delay="0"/>
+                                  </p:stCondLst>
+                                  <p:childTnLst>
+                                    <p:set>
+                                      <p:cBhvr>
+                                        <p:cTn id="19" dur="1" fill="hold">
+                                          <p:stCondLst>
+                                            <p:cond delay="0"/>
+                                          </p:stCondLst>
+                                        </p:cTn>
+                                        <p:tgtEl>
+                                          <p:spTgt spid="1042231891"/>
+                                        </p:tgtEl>
+                                        <p:attrNameLst>
+                                          <p:attrName>style.visibility</p:attrName>
+                                        </p:attrNameLst>
+                                      </p:cBhvr>
+                                      <p:to>
+                                        <p:strVal val="visible"/>
+                                      </p:to>
+                                    </p:set>
+                                    <p:animEffect transition="in" filter="fade">
+                                      <p:cBhvr>
+                                        <p:cTn id="18" dur="500"/>
+                                        <p:tgtEl>
+                                          <p:spTgt spid="1042231891"/>
+                                        </p:tgtEl>
+                                      </p:cBhvr>
+                                    </p:animEffect>
+                                  </p:childTnLst>
+                                </p:cTn>
+                              </p:par>
+                            </p:childTnLst>
+                          </p:cTn>
+                        </p:par>
+                        <p:par>
+                          <p:cTn id="12" fill="hold">
+                            <p:stCondLst>
+                              <p:cond delay="500"/>
+                            </p:stCondLst>
+                            <p:childTnLst>
+                              <p:par>
+                                <p:cTn id="13" presetID="10" presetClass="entr" presetSubtype="0" fill="hold" grpId="0" nodeType="afterEffect">
+                                  <p:stCondLst>
+                                    <p:cond delay="0"/>
+                                  </p:stCondLst>
+                                  <p:childTnLst>
+                                    <p:set>
+                                      <p:cBhvr>
+                                        <p:cTn id="15" dur="1" fill="hold">
+                                          <p:stCondLst>
+                                            <p:cond delay="0"/>
+                                          </p:stCondLst>
+                                        </p:cTn>
+                                        <p:tgtEl>
+                                          <p:spTgt spid="847452718"/>
+                                        </p:tgtEl>
+                                        <p:attrNameLst>
+                                          <p:attrName>style.visibility</p:attrName>
+                                        </p:attrNameLst>
+                                      </p:cBhvr>
+                                      <p:to>
+                                        <p:strVal val="visible"/>
+                                      </p:to>
+                                    </p:set>
+                                    <p:animEffect transition="in" filter="fade">
+                                      <p:cBhvr>
+                                        <p:cTn id="14" dur="500"/>
+                                        <p:tgtEl>
+                                          <p:spTgt spid="847452718"/>
+                                        </p:tgtEl>
+                                      </p:cBhvr>
+                                    </p:animEffect>
+                                  </p:childTnLst>
+                                </p:cTn>
+                              </p:par>
+                            </p:childTnLst>
+                          </p:cTn>
+                        </p:par>
+                        <p:par>
+                          <p:cTn id="8" fill="hold">
+                            <p:stCondLst>
+                              <p:cond delay="1000"/>
+                            </p:stCondLst>
+                            <p:childTnLst>
+                              <p:par>
+                                <p:cTn id="9" presetID="10" presetClass="entr" presetSubtype="0" fill="hold" grpId="0" nodeType="afterEffect">
                                   <p:stCondLst>
                                     <p:cond delay="0"/>
                                   </p:stCondLst>
@@ -6586,7 +6625,7 @@
                                           </p:stCondLst>
                                         </p:cTn>
                                         <p:tgtEl>
-                                          <p:spTgt spid="415996815"/>
+                                          <p:spTgt spid="1614579584"/>
                                         </p:tgtEl>
                                         <p:attrNameLst>
                                           <p:attrName>style.visibility</p:attrName>
@@ -6600,7 +6639,7 @@
                                       <p:cBhvr>
                                         <p:cTn id="10" dur="500"/>
                                         <p:tgtEl>
-                                          <p:spTgt spid="415996815"/>
+                                          <p:spTgt spid="1614579584"/>
                                         </p:tgtEl>
                                       </p:cBhvr>
                                     </p:animEffect>
@@ -6613,7 +6652,7 @@
                         <p:par>
                           <p:cTn id="4" fill="hold">
                             <p:stCondLst>
-                              <p:cond delay="500"/>
+                              <p:cond delay="1500"/>
                             </p:stCondLst>
                             <p:childTnLst>
                               <p:par>
@@ -6630,7 +6669,7 @@
                                           </p:stCondLst>
                                         </p:cTn>
                                         <p:tgtEl>
-                                          <p:spTgt spid="293954512"/>
+                                          <p:spTgt spid="317424924"/>
                                         </p:tgtEl>
                                         <p:attrNameLst>
                                           <p:attrName>style.visibility</p:attrName>
@@ -6644,7 +6683,7 @@
                                       <p:cBhvr>
                                         <p:cTn id="6" dur="500"/>
                                         <p:tgtEl>
-                                          <p:spTgt spid="293954512"/>
+                                          <p:spTgt spid="317424924"/>
                                         </p:tgtEl>
                                       </p:cBhvr>
                                     </p:animEffect>
@@ -6750,12 +6789,146 @@
   </p:clrMapOvr>
   <mc:AlternateContent xmlns:mc="http://schemas.openxmlformats.org/markup-compatibility/2006">
     <mc:Choice xmlns:p159="http://schemas.microsoft.com/office/powerpoint/2015/09/main" xmlns:p14="http://schemas.microsoft.com/office/powerpoint/2010/main" Requires="p159">
-      <p:transition p14:dur="2000" advClick="1"/>
+      <p:transition spd="med" p14:dur="500" advClick="1">
+        <p:fade thruBlk="0"/>
+      </p:transition>
     </mc:Choice>
     <mc:Fallback>
-      <p:transition advClick="1"/>
+      <p:transition spd="med" advClick="1">
+        <p:fade thruBlk="0"/>
+      </p:transition>
     </mc:Fallback>
   </mc:AlternateContent>
+  <p:timing>
+    <p:tnLst>
+      <p:par>
+        <p:cTn id="1" dur="indefinite" restart="never" nodeType="tmRoot">
+          <p:childTnLst>
+            <p:seq concurrent="1" nextAc="seek">
+              <p:cTn id="2" dur="indefinite" nodeType="mainSeq">
+                <p:childTnLst>
+                  <p:par>
+                    <p:cTn id="3" fill="hold">
+                      <p:stCondLst>
+                        <p:cond delay="indefinite"/>
+                        <p:cond evt="begin" delay="0">
+                          <p:tn val="2"/>
+                        </p:cond>
+                      </p:stCondLst>
+                      <p:childTnLst>
+                        <p:par>
+                          <p:cTn id="8" fill="hold">
+                            <p:stCondLst>
+                              <p:cond delay="0"/>
+                            </p:stCondLst>
+                            <p:childTnLst>
+                              <p:par>
+                                <p:cTn id="9" presetID="10" presetClass="entr" presetSubtype="0" fill="hold" grpId="0" nodeType="afterEffect">
+                                  <p:stCondLst>
+                                    <p:cond delay="0"/>
+                                  </p:stCondLst>
+                                  <p:childTnLst>
+                                    <p:set>
+                                      <p:cBhvr>
+                                        <p:cTn id="11" dur="1" fill="hold">
+                                          <p:stCondLst>
+                                            <p:cond delay="0"/>
+                                          </p:stCondLst>
+                                        </p:cTn>
+                                        <p:tgtEl>
+                                          <p:spTgt spid="1480380514"/>
+                                        </p:tgtEl>
+                                        <p:attrNameLst>
+                                          <p:attrName>style.visibility</p:attrName>
+                                        </p:attrNameLst>
+                                      </p:cBhvr>
+                                      <p:to>
+                                        <p:strVal val="visible"/>
+                                      </p:to>
+                                    </p:set>
+                                    <p:animEffect transition="in" filter="fade">
+                                      <p:cBhvr>
+                                        <p:cTn id="10" dur="500"/>
+                                        <p:tgtEl>
+                                          <p:spTgt spid="1480380514"/>
+                                        </p:tgtEl>
+                                      </p:cBhvr>
+                                    </p:animEffect>
+                                  </p:childTnLst>
+                                </p:cTn>
+                              </p:par>
+                            </p:childTnLst>
+                          </p:cTn>
+                        </p:par>
+                        <p:par>
+                          <p:cTn id="4" fill="hold">
+                            <p:stCondLst>
+                              <p:cond delay="500"/>
+                            </p:stCondLst>
+                            <p:childTnLst>
+                              <p:par>
+                                <p:cTn id="5" presetID="10" presetClass="entr" presetSubtype="0" fill="hold" grpId="0" nodeType="afterEffect">
+                                  <p:stCondLst>
+                                    <p:cond delay="0"/>
+                                  </p:stCondLst>
+                                  <p:childTnLst>
+                                    <p:set>
+                                      <p:cBhvr>
+                                        <p:cTn id="7" dur="1" fill="hold">
+                                          <p:stCondLst>
+                                            <p:cond delay="0"/>
+                                          </p:stCondLst>
+                                        </p:cTn>
+                                        <p:tgtEl>
+                                          <p:spTgt spid="1078674000"/>
+                                        </p:tgtEl>
+                                        <p:attrNameLst>
+                                          <p:attrName>style.visibility</p:attrName>
+                                        </p:attrNameLst>
+                                      </p:cBhvr>
+                                      <p:to>
+                                        <p:strVal val="visible"/>
+                                      </p:to>
+                                    </p:set>
+                                    <p:animEffect transition="in" filter="fade">
+                                      <p:cBhvr>
+                                        <p:cTn id="6" dur="500"/>
+                                        <p:tgtEl>
+                                          <p:spTgt spid="1078674000"/>
+                                        </p:tgtEl>
+                                      </p:cBhvr>
+                                    </p:animEffect>
+                                  </p:childTnLst>
+                                </p:cTn>
+                              </p:par>
+                            </p:childTnLst>
+                          </p:cTn>
+                        </p:par>
+                      </p:childTnLst>
+                    </p:cTn>
+                  </p:par>
+                </p:childTnLst>
+              </p:cTn>
+              <p:prevCondLst>
+                <p:cond evt="onPrev" delay="0">
+                  <p:tgtEl>
+                    <p:sldTgt/>
+                  </p:tgtEl>
+                </p:cond>
+              </p:prevCondLst>
+              <p:nextCondLst>
+                <p:cond evt="onNext" delay="0">
+                  <p:tgtEl>
+                    <p:sldTgt/>
+                  </p:tgtEl>
+                </p:cond>
+              </p:nextCondLst>
+            </p:seq>
+          </p:childTnLst>
+        </p:cTn>
+      </p:par>
+    </p:tnLst>
+  </p:timing>
 </p:sld>
 </file>
 
@@ -6827,12 +7000,146 @@
   </p:clrMapOvr>
   <mc:AlternateContent xmlns:mc="http://schemas.openxmlformats.org/markup-compatibility/2006">
     <mc:Choice xmlns:p159="http://schemas.microsoft.com/office/powerpoint/2015/09/main" xmlns:p14="http://schemas.microsoft.com/office/powerpoint/2010/main" Requires="p159">
-      <p:transition p14:dur="2000" advClick="1"/>
+      <p:transition spd="med" p14:dur="500" advClick="1">
+        <p:fade thruBlk="0"/>
+      </p:transition>
     </mc:Choice>
     <mc:Fallback>
-      <p:transition advClick="1"/>
+      <p:transition spd="med" advClick="1">
+        <p:fade thruBlk="0"/>
+      </p:transition>
     </mc:Fallback>
   </mc:AlternateContent>
+  <p:timing>
+    <p:tnLst>
+      <p:par>
+        <p:cTn id="1" dur="indefinite" restart="never" nodeType="tmRoot">
+          <p:childTnLst>
+            <p:seq concurrent="1" nextAc="seek">
+              <p:cTn id="2" dur="indefinite" nodeType="mainSeq">
+                <p:childTnLst>
+                  <p:par>
+                    <p:cTn id="3" fill="hold">
+                      <p:stCondLst>
+                        <p:cond delay="indefinite"/>
+                        <p:cond evt="begin" delay="0">
+                          <p:tn val="2"/>
+                        </p:cond>
+                      </p:stCondLst>
+                      <p:childTnLst>
+                        <p:par>
+                          <p:cTn id="8" fill="hold">
+                            <p:stCondLst>
+                              <p:cond delay="0"/>
+                            </p:stCondLst>
+                            <p:childTnLst>
+                              <p:par>
+                                <p:cTn id="9" presetID="10" presetClass="entr" presetSubtype="0" fill="hold" grpId="0" nodeType="afterEffect">
+                                  <p:stCondLst>
+                                    <p:cond delay="0"/>
+                                  </p:stCondLst>
+                                  <p:childTnLst>
+                                    <p:set>
+                                      <p:cBhvr>
+                                        <p:cTn id="11" dur="1" fill="hold">
+                                          <p:stCondLst>
+                                            <p:cond delay="0"/>
+                                          </p:stCondLst>
+                                        </p:cTn>
+                                        <p:tgtEl>
+                                          <p:spTgt spid="525624400"/>
+                                        </p:tgtEl>
+                                        <p:attrNameLst>
+                                          <p:attrName>style.visibility</p:attrName>
+                                        </p:attrNameLst>
+                                      </p:cBhvr>
+                                      <p:to>
+                                        <p:strVal val="visible"/>
+                                      </p:to>
+                                    </p:set>
+                                    <p:animEffect transition="in" filter="fade">
+                                      <p:cBhvr>
+                                        <p:cTn id="10" dur="500"/>
+                                        <p:tgtEl>
+                                          <p:spTgt spid="525624400"/>
+                                        </p:tgtEl>
+                                      </p:cBhvr>
+                                    </p:animEffect>
+                                  </p:childTnLst>
+                                </p:cTn>
+                              </p:par>
+                            </p:childTnLst>
+                          </p:cTn>
+                        </p:par>
+                        <p:par>
+                          <p:cTn id="4" fill="hold">
+                            <p:stCondLst>
+                              <p:cond delay="500"/>
+                            </p:stCondLst>
+                            <p:childTnLst>
+                              <p:par>
+                                <p:cTn id="5" presetID="10" presetClass="entr" presetSubtype="0" fill="hold" grpId="0" nodeType="afterEffect">
+                                  <p:stCondLst>
+                                    <p:cond delay="0"/>
+                                  </p:stCondLst>
+                                  <p:childTnLst>
+                                    <p:set>
+                                      <p:cBhvr>
+                                        <p:cTn id="7" dur="1" fill="hold">
+                                          <p:stCondLst>
+                                            <p:cond delay="0"/>
+                                          </p:stCondLst>
+                                        </p:cTn>
+                                        <p:tgtEl>
+                                          <p:spTgt spid="329049231"/>
+                                        </p:tgtEl>
+                                        <p:attrNameLst>
+                                          <p:attrName>style.visibility</p:attrName>
+                                        </p:attrNameLst>
+                                      </p:cBhvr>
+                                      <p:to>
+                                        <p:strVal val="visible"/>
+                                      </p:to>
+                                    </p:set>
+                                    <p:animEffect transition="in" filter="fade">
+                                      <p:cBhvr>
+                                        <p:cTn id="6" dur="500"/>
+                                        <p:tgtEl>
+                                          <p:spTgt spid="329049231"/>
+                                        </p:tgtEl>
+                                      </p:cBhvr>
+                                    </p:animEffect>
+                                  </p:childTnLst>
+                                </p:cTn>
+                              </p:par>
+                            </p:childTnLst>
+                          </p:cTn>
+                        </p:par>
+                      </p:childTnLst>
+                    </p:cTn>
+                  </p:par>
+                </p:childTnLst>
+              </p:cTn>
+              <p:prevCondLst>
+                <p:cond evt="onPrev" delay="0">
+                  <p:tgtEl>
+                    <p:sldTgt/>
+                  </p:tgtEl>
+                </p:cond>
+              </p:prevCondLst>
+              <p:nextCondLst>
+                <p:cond evt="onNext" delay="0">
+                  <p:tgtEl>
+                    <p:sldTgt/>
+                  </p:tgtEl>
+                </p:cond>
+              </p:nextCondLst>
+            </p:seq>
+          </p:childTnLst>
+        </p:cTn>
+      </p:par>
+    </p:tnLst>
+  </p:timing>
 </p:sld>
 </file>
 

--- a/Damareen-MEGPROBALTUK.pptx
+++ b/Damareen-MEGPROBALTUK.pptx
@@ -1,20 +1,20 @@
 
 <file path=ppt/presentation.xml><?xml version="1.0" encoding="utf-8"?>
-<p:presentation xmlns:a="http://schemas.openxmlformats.org/drawingml/2006/main" xmlns:r="http://schemas.openxmlformats.org/officeDocument/2006/relationships" xmlns:p="http://schemas.openxmlformats.org/presentationml/2006/main" xmlns:m="http://schemas.openxmlformats.org/officeDocument/2006/math" xmlns:w="http://schemas.openxmlformats.org/wordprocessingml/2006/main" saveSubsetFonts="1">
+<p:presentation xmlns:a="http://schemas.openxmlformats.org/drawingml/2006/main" xmlns:r="http://schemas.openxmlformats.org/officeDocument/2006/relationships" xmlns:p="http://schemas.openxmlformats.org/presentationml/2006/main" saveSubsetFonts="1">
   <p:sldMasterIdLst>
     <p:sldMasterId id="2147483648" r:id="rId1"/>
   </p:sldMasterIdLst>
   <p:notesMasterIdLst>
-    <p:notesMasterId r:id="rId11"/>
+    <p:notesMasterId r:id="rId9"/>
   </p:notesMasterIdLst>
   <p:sldIdLst>
-    <p:sldId id="256" r:id="rId4"/>
-    <p:sldId id="257" r:id="rId5"/>
-    <p:sldId id="258" r:id="rId6"/>
-    <p:sldId id="259" r:id="rId7"/>
-    <p:sldId id="260" r:id="rId8"/>
-    <p:sldId id="261" r:id="rId9"/>
-    <p:sldId id="262" r:id="rId10"/>
+    <p:sldId id="256" r:id="rId2"/>
+    <p:sldId id="257" r:id="rId3"/>
+    <p:sldId id="258" r:id="rId4"/>
+    <p:sldId id="259" r:id="rId5"/>
+    <p:sldId id="260" r:id="rId6"/>
+    <p:sldId id="261" r:id="rId7"/>
+    <p:sldId id="262" r:id="rId8"/>
   </p:sldIdLst>
   <p:sldSz cx="12192000" cy="6858000"/>
   <p:notesSz cx="6858000" cy="9144000"/>
@@ -113,12 +113,28 @@
       </a:defRPr>
     </a:lvl9pPr>
   </p:defaultTextStyle>
+  <p:extLst>
+    <p:ext uri="{EFAFB233-063F-42B5-8137-9DF3F51BA10A}">
+      <p15:sldGuideLst xmlns:p15="http://schemas.microsoft.com/office/powerpoint/2012/main">
+        <p15:guide id="1" pos="3840">
+          <p15:clr>
+            <a:srgbClr val="A4A3A4"/>
+          </p15:clr>
+        </p15:guide>
+        <p15:guide id="2" orient="horz" pos="2160">
+          <p15:clr>
+            <a:srgbClr val="A4A3A4"/>
+          </p15:clr>
+        </p15:guide>
+      </p15:sldGuideLst>
+    </p:ext>
+  </p:extLst>
 </p:presentation>
 </file>
 
 <file path=ppt/notesMasters/notesMaster1.xml><?xml version="1.0" encoding="utf-8"?>
 <p:notesMaster xmlns:a="http://schemas.openxmlformats.org/drawingml/2006/main" xmlns:r="http://schemas.openxmlformats.org/officeDocument/2006/relationships" xmlns:p="http://schemas.openxmlformats.org/presentationml/2006/main">
-  <p:cSld name="">
+  <p:cSld>
     <p:bg>
       <p:bgRef idx="1001">
         <a:schemeClr val="bg1"/>
@@ -204,7 +220,7 @@
             </a:pPr>
             <a:fld id="{3632E96E-41F7-40C5-8419-297958CC00FA}" type="datetimeFigureOut">
               <a:rPr lang="en-US"/>
-              <a:t>10/30/2013</a:t>
+              <a:t>12/13/2025</a:t>
             </a:fld>
             <a:endParaRPr lang="en-US"/>
           </a:p>
@@ -214,7 +230,7 @@
         <p:nvSpPr>
           <p:cNvPr id="2046028704" name="Slide Image Placeholder 3"/>
           <p:cNvSpPr>
-            <a:spLocks noChangeAspect="1" noGrp="1" noRot="1"/>
+            <a:spLocks noGrp="1" noRot="1" noChangeAspect="1"/>
           </p:cNvSpPr>
           <p:nvPr>
             <p:ph type="sldImg" idx="2"/>
@@ -316,7 +332,6 @@
               <a:rPr lang="en-US"/>
               <a:t>Fifth level</a:t>
             </a:r>
-            <a:endParaRPr lang="en-US"/>
           </a:p>
         </p:txBody>
       </p:sp>
@@ -491,8 +506,8 @@
 </file>
 
 <file path=ppt/notesSlides/notesSlide1.xml><?xml version="1.0" encoding="utf-8"?>
-<p:notes xmlns:a="http://schemas.openxmlformats.org/drawingml/2006/main" xmlns:r="http://schemas.openxmlformats.org/officeDocument/2006/relationships" xmlns:p="http://schemas.openxmlformats.org/presentationml/2006/main" xmlns:m="http://schemas.openxmlformats.org/officeDocument/2006/math" xmlns:w="http://schemas.openxmlformats.org/wordprocessingml/2006/main">
-  <p:cSld name="">
+<p:notes xmlns:a="http://schemas.openxmlformats.org/drawingml/2006/main" xmlns:r="http://schemas.openxmlformats.org/officeDocument/2006/relationships" xmlns:p="http://schemas.openxmlformats.org/presentationml/2006/main">
+  <p:cSld>
     <p:spTree>
       <p:nvGrpSpPr>
         <p:cNvPr id="1" name=""/>
@@ -511,7 +526,7 @@
         <p:nvSpPr>
           <p:cNvPr id="406270270" name="Slide Image Placeholder 1"/>
           <p:cNvSpPr>
-            <a:spLocks noChangeAspect="1" noGrp="1" noRot="1"/>
+            <a:spLocks noGrp="1" noRot="1" noChangeAspect="1"/>
           </p:cNvSpPr>
           <p:nvPr>
             <p:ph type="sldImg"/>
@@ -584,8 +599,8 @@
 </file>
 
 <file path=ppt/notesSlides/notesSlide2.xml><?xml version="1.0" encoding="utf-8"?>
-<p:notes xmlns:a="http://schemas.openxmlformats.org/drawingml/2006/main" xmlns:r="http://schemas.openxmlformats.org/officeDocument/2006/relationships" xmlns:p="http://schemas.openxmlformats.org/presentationml/2006/main" xmlns:m="http://schemas.openxmlformats.org/officeDocument/2006/math" xmlns:w="http://schemas.openxmlformats.org/wordprocessingml/2006/main">
-  <p:cSld name="">
+<p:notes xmlns:a="http://schemas.openxmlformats.org/drawingml/2006/main" xmlns:r="http://schemas.openxmlformats.org/officeDocument/2006/relationships" xmlns:p="http://schemas.openxmlformats.org/presentationml/2006/main">
+  <p:cSld>
     <p:spTree>
       <p:nvGrpSpPr>
         <p:cNvPr id="1" name=""/>
@@ -604,7 +619,7 @@
         <p:nvSpPr>
           <p:cNvPr id="2" name="Slide Image Placeholder 1"/>
           <p:cNvSpPr>
-            <a:spLocks noChangeAspect="1" noGrp="1" noRot="1"/>
+            <a:spLocks noGrp="1" noRot="1" noChangeAspect="1"/>
           </p:cNvSpPr>
           <p:nvPr>
             <p:ph type="sldImg"/>
@@ -654,7 +669,7 @@
             </a:pPr>
             <a:fld id="{C522E637-DDE5-F68B-BE5A-9FAD27999AB6}" type="slidenum">
               <a:rPr/>
-              <a:t/>
+              <a:t>2</a:t>
             </a:fld>
             <a:endParaRPr/>
           </a:p>
@@ -669,8 +684,8 @@
 </file>
 
 <file path=ppt/notesSlides/notesSlide3.xml><?xml version="1.0" encoding="utf-8"?>
-<p:notes xmlns:a="http://schemas.openxmlformats.org/drawingml/2006/main" xmlns:r="http://schemas.openxmlformats.org/officeDocument/2006/relationships" xmlns:p="http://schemas.openxmlformats.org/presentationml/2006/main" xmlns:m="http://schemas.openxmlformats.org/officeDocument/2006/math" xmlns:w="http://schemas.openxmlformats.org/wordprocessingml/2006/main">
-  <p:cSld name="">
+<p:notes xmlns:a="http://schemas.openxmlformats.org/drawingml/2006/main" xmlns:r="http://schemas.openxmlformats.org/officeDocument/2006/relationships" xmlns:p="http://schemas.openxmlformats.org/presentationml/2006/main">
+  <p:cSld>
     <p:spTree>
       <p:nvGrpSpPr>
         <p:cNvPr id="1" name=""/>
@@ -689,7 +704,7 @@
         <p:nvSpPr>
           <p:cNvPr id="1173407472" name="Slide Image Placeholder 1"/>
           <p:cNvSpPr>
-            <a:spLocks noChangeAspect="1" noGrp="1" noRot="1"/>
+            <a:spLocks noGrp="1" noRot="1" noChangeAspect="1"/>
           </p:cNvSpPr>
           <p:nvPr>
             <p:ph type="sldImg"/>
@@ -739,7 +754,7 @@
             </a:pPr>
             <a:fld id="{F2A7AEDD-2607-F668-D14F-8D6D664C936C}" type="slidenum">
               <a:rPr/>
-              <a:t/>
+              <a:t>3</a:t>
             </a:fld>
             <a:endParaRPr/>
           </a:p>
@@ -754,8 +769,8 @@
 </file>
 
 <file path=ppt/notesSlides/notesSlide4.xml><?xml version="1.0" encoding="utf-8"?>
-<p:notes xmlns:a="http://schemas.openxmlformats.org/drawingml/2006/main" xmlns:r="http://schemas.openxmlformats.org/officeDocument/2006/relationships" xmlns:p="http://schemas.openxmlformats.org/presentationml/2006/main" xmlns:m="http://schemas.openxmlformats.org/officeDocument/2006/math" xmlns:w="http://schemas.openxmlformats.org/wordprocessingml/2006/main">
-  <p:cSld name="">
+<p:notes xmlns:a="http://schemas.openxmlformats.org/drawingml/2006/main" xmlns:r="http://schemas.openxmlformats.org/officeDocument/2006/relationships" xmlns:p="http://schemas.openxmlformats.org/presentationml/2006/main">
+  <p:cSld>
     <p:spTree>
       <p:nvGrpSpPr>
         <p:cNvPr id="1" name=""/>
@@ -774,7 +789,7 @@
         <p:nvSpPr>
           <p:cNvPr id="68384533" name="Slide Image Placeholder 1"/>
           <p:cNvSpPr>
-            <a:spLocks noChangeAspect="1" noGrp="1" noRot="1"/>
+            <a:spLocks noGrp="1" noRot="1" noChangeAspect="1"/>
           </p:cNvSpPr>
           <p:nvPr>
             <p:ph type="sldImg"/>
@@ -824,7 +839,7 @@
             </a:pPr>
             <a:fld id="{3C53AC74-33C7-0B7D-491D-A3E1CD882BE5}" type="slidenum">
               <a:rPr/>
-              <a:t/>
+              <a:t>4</a:t>
             </a:fld>
             <a:endParaRPr/>
           </a:p>
@@ -839,8 +854,8 @@
 </file>
 
 <file path=ppt/notesSlides/notesSlide5.xml><?xml version="1.0" encoding="utf-8"?>
-<p:notes xmlns:a="http://schemas.openxmlformats.org/drawingml/2006/main" xmlns:r="http://schemas.openxmlformats.org/officeDocument/2006/relationships" xmlns:p="http://schemas.openxmlformats.org/presentationml/2006/main" xmlns:m="http://schemas.openxmlformats.org/officeDocument/2006/math" xmlns:w="http://schemas.openxmlformats.org/wordprocessingml/2006/main">
-  <p:cSld name="">
+<p:notes xmlns:a="http://schemas.openxmlformats.org/drawingml/2006/main" xmlns:r="http://schemas.openxmlformats.org/officeDocument/2006/relationships" xmlns:p="http://schemas.openxmlformats.org/presentationml/2006/main">
+  <p:cSld>
     <p:spTree>
       <p:nvGrpSpPr>
         <p:cNvPr id="1" name=""/>
@@ -859,7 +874,7 @@
         <p:nvSpPr>
           <p:cNvPr id="596841002" name="Slide Image Placeholder 1"/>
           <p:cNvSpPr>
-            <a:spLocks noChangeAspect="1" noGrp="1" noRot="1"/>
+            <a:spLocks noGrp="1" noRot="1" noChangeAspect="1"/>
           </p:cNvSpPr>
           <p:nvPr>
             <p:ph type="sldImg"/>
@@ -909,7 +924,7 @@
             </a:pPr>
             <a:fld id="{12AFA12C-F677-7BF3-FA33-E59D2659F934}" type="slidenum">
               <a:rPr/>
-              <a:t/>
+              <a:t>5</a:t>
             </a:fld>
             <a:endParaRPr/>
           </a:p>
@@ -924,8 +939,8 @@
 </file>
 
 <file path=ppt/notesSlides/notesSlide6.xml><?xml version="1.0" encoding="utf-8"?>
-<p:notes xmlns:a="http://schemas.openxmlformats.org/drawingml/2006/main" xmlns:r="http://schemas.openxmlformats.org/officeDocument/2006/relationships" xmlns:p="http://schemas.openxmlformats.org/presentationml/2006/main" xmlns:m="http://schemas.openxmlformats.org/officeDocument/2006/math" xmlns:w="http://schemas.openxmlformats.org/wordprocessingml/2006/main">
-  <p:cSld name="">
+<p:notes xmlns:a="http://schemas.openxmlformats.org/drawingml/2006/main" xmlns:r="http://schemas.openxmlformats.org/officeDocument/2006/relationships" xmlns:p="http://schemas.openxmlformats.org/presentationml/2006/main">
+  <p:cSld>
     <p:spTree>
       <p:nvGrpSpPr>
         <p:cNvPr id="1" name=""/>
@@ -944,7 +959,7 @@
         <p:nvSpPr>
           <p:cNvPr id="2" name="Slide Image Placeholder 1"/>
           <p:cNvSpPr>
-            <a:spLocks noChangeAspect="1" noGrp="1" noRot="1"/>
+            <a:spLocks noGrp="1" noRot="1" noChangeAspect="1"/>
           </p:cNvSpPr>
           <p:nvPr>
             <p:ph type="sldImg"/>
@@ -994,7 +1009,7 @@
             </a:pPr>
             <a:fld id="{8415A593-09D9-1481-DC88-4B40AF24AEAD}" type="slidenum">
               <a:rPr/>
-              <a:t/>
+              <a:t>6</a:t>
             </a:fld>
             <a:endParaRPr/>
           </a:p>
@@ -1009,8 +1024,8 @@
 </file>
 
 <file path=ppt/notesSlides/notesSlide7.xml><?xml version="1.0" encoding="utf-8"?>
-<p:notes xmlns:a="http://schemas.openxmlformats.org/drawingml/2006/main" xmlns:r="http://schemas.openxmlformats.org/officeDocument/2006/relationships" xmlns:p="http://schemas.openxmlformats.org/presentationml/2006/main" xmlns:m="http://schemas.openxmlformats.org/officeDocument/2006/math" xmlns:w="http://schemas.openxmlformats.org/wordprocessingml/2006/main">
-  <p:cSld name="">
+<p:notes xmlns:a="http://schemas.openxmlformats.org/drawingml/2006/main" xmlns:r="http://schemas.openxmlformats.org/officeDocument/2006/relationships" xmlns:p="http://schemas.openxmlformats.org/presentationml/2006/main">
+  <p:cSld>
     <p:spTree>
       <p:nvGrpSpPr>
         <p:cNvPr id="1" name=""/>
@@ -1029,7 +1044,7 @@
         <p:nvSpPr>
           <p:cNvPr id="800841814" name="Slide Image Placeholder 1"/>
           <p:cNvSpPr>
-            <a:spLocks noChangeAspect="1" noGrp="1" noRot="1"/>
+            <a:spLocks noGrp="1" noRot="1" noChangeAspect="1"/>
           </p:cNvSpPr>
           <p:nvPr>
             <p:ph type="sldImg"/>
@@ -1079,7 +1094,7 @@
             </a:pPr>
             <a:fld id="{6B53C180-FF2D-64B4-0476-B0FEA942FC1F}" type="slidenum">
               <a:rPr/>
-              <a:t/>
+              <a:t>7</a:t>
             </a:fld>
             <a:endParaRPr/>
           </a:p>
@@ -1094,7 +1109,7 @@
 </file>
 
 <file path=ppt/slideLayouts/slideLayout1.xml><?xml version="1.0" encoding="utf-8"?>
-<p:sldLayout xmlns:a="http://schemas.openxmlformats.org/drawingml/2006/main" xmlns:r="http://schemas.openxmlformats.org/officeDocument/2006/relationships" xmlns:p="http://schemas.openxmlformats.org/presentationml/2006/main" xmlns:m="http://schemas.openxmlformats.org/officeDocument/2006/math" xmlns:w="http://schemas.openxmlformats.org/wordprocessingml/2006/main" matchingName="" preserve="1" showMasterPhAnim="0" showMasterSp="1" type="title" userDrawn="1">
+<p:sldLayout xmlns:a="http://schemas.openxmlformats.org/drawingml/2006/main" xmlns:r="http://schemas.openxmlformats.org/officeDocument/2006/relationships" xmlns:p="http://schemas.openxmlformats.org/presentationml/2006/main" showMasterPhAnim="0" type="title" preserve="1" userDrawn="1">
   <p:cSld name="Title Slide">
     <p:spTree>
       <p:nvGrpSpPr>
@@ -1141,7 +1156,6 @@
               <a:rPr lang="en-US"/>
               <a:t>Click to edit Master title style</a:t>
             </a:r>
-            <a:endParaRPr lang="en-US"/>
           </a:p>
         </p:txBody>
       </p:sp>
@@ -1209,7 +1223,6 @@
               <a:rPr lang="en-US"/>
               <a:t>Click to edit Master subtitle style</a:t>
             </a:r>
-            <a:endParaRPr lang="en-US"/>
           </a:p>
         </p:txBody>
       </p:sp>
@@ -1233,7 +1246,7 @@
             </a:pPr>
             <a:fld id="{BCC18F51-09EC-435C-A3BA-64A766E099C0}" type="datetimeFigureOut">
               <a:rPr lang="en-US"/>
-              <a:t>30.10.2013</a:t>
+              <a:t>12/13/2025</a:t>
             </a:fld>
             <a:endParaRPr lang="en-US"/>
           </a:p>
@@ -1296,7 +1309,7 @@
 </file>
 
 <file path=ppt/slideLayouts/slideLayout10.xml><?xml version="1.0" encoding="utf-8"?>
-<p:sldLayout xmlns:a="http://schemas.openxmlformats.org/drawingml/2006/main" xmlns:r="http://schemas.openxmlformats.org/officeDocument/2006/relationships" xmlns:p="http://schemas.openxmlformats.org/presentationml/2006/main" xmlns:m="http://schemas.openxmlformats.org/officeDocument/2006/math" xmlns:w="http://schemas.openxmlformats.org/wordprocessingml/2006/main" matchingName="" preserve="1" showMasterPhAnim="0" showMasterSp="1" type="vertTx" userDrawn="1">
+<p:sldLayout xmlns:a="http://schemas.openxmlformats.org/drawingml/2006/main" xmlns:r="http://schemas.openxmlformats.org/officeDocument/2006/relationships" xmlns:p="http://schemas.openxmlformats.org/presentationml/2006/main" showMasterPhAnim="0" type="vertTx" preserve="1" userDrawn="1">
   <p:cSld name="Title and Vertical Text">
     <p:spTree>
       <p:nvGrpSpPr>
@@ -1334,7 +1347,6 @@
               <a:rPr lang="en-US"/>
               <a:t>Click to edit Master title style</a:t>
             </a:r>
-            <a:endParaRPr lang="en-US"/>
           </a:p>
         </p:txBody>
       </p:sp>
@@ -1400,7 +1412,6 @@
               <a:rPr lang="en-US"/>
               <a:t>Fifth level</a:t>
             </a:r>
-            <a:endParaRPr lang="en-US"/>
           </a:p>
         </p:txBody>
       </p:sp>
@@ -1424,7 +1435,7 @@
             </a:pPr>
             <a:fld id="{BCC18F51-09EC-435C-A3BA-64A766E099C0}" type="datetimeFigureOut">
               <a:rPr lang="en-US"/>
-              <a:t>30.10.2013</a:t>
+              <a:t>12/13/2025</a:t>
             </a:fld>
             <a:endParaRPr lang="en-US"/>
           </a:p>
@@ -1487,7 +1498,7 @@
 </file>
 
 <file path=ppt/slideLayouts/slideLayout11.xml><?xml version="1.0" encoding="utf-8"?>
-<p:sldLayout xmlns:a="http://schemas.openxmlformats.org/drawingml/2006/main" xmlns:r="http://schemas.openxmlformats.org/officeDocument/2006/relationships" xmlns:p="http://schemas.openxmlformats.org/presentationml/2006/main" xmlns:m="http://schemas.openxmlformats.org/officeDocument/2006/math" xmlns:w="http://schemas.openxmlformats.org/wordprocessingml/2006/main" matchingName="" preserve="1" showMasterPhAnim="0" showMasterSp="1" type="vertTitleAndTx" userDrawn="1">
+<p:sldLayout xmlns:a="http://schemas.openxmlformats.org/drawingml/2006/main" xmlns:r="http://schemas.openxmlformats.org/officeDocument/2006/relationships" xmlns:p="http://schemas.openxmlformats.org/presentationml/2006/main" showMasterPhAnim="0" type="vertTitleAndTx" preserve="1" userDrawn="1">
   <p:cSld name="Vertical Title and Text">
     <p:spTree>
       <p:nvGrpSpPr>
@@ -1530,7 +1541,6 @@
               <a:rPr lang="en-US"/>
               <a:t>Click to edit Master title style</a:t>
             </a:r>
-            <a:endParaRPr lang="en-US"/>
           </a:p>
         </p:txBody>
       </p:sp>
@@ -1601,7 +1611,6 @@
               <a:rPr lang="en-US"/>
               <a:t>Fifth level</a:t>
             </a:r>
-            <a:endParaRPr lang="en-US"/>
           </a:p>
         </p:txBody>
       </p:sp>
@@ -1625,7 +1634,7 @@
             </a:pPr>
             <a:fld id="{BCC18F51-09EC-435C-A3BA-64A766E099C0}" type="datetimeFigureOut">
               <a:rPr lang="en-US"/>
-              <a:t>30.10.2013</a:t>
+              <a:t>12/13/2025</a:t>
             </a:fld>
             <a:endParaRPr lang="en-US"/>
           </a:p>
@@ -1688,7 +1697,7 @@
 </file>
 
 <file path=ppt/slideLayouts/slideLayout2.xml><?xml version="1.0" encoding="utf-8"?>
-<p:sldLayout xmlns:a="http://schemas.openxmlformats.org/drawingml/2006/main" xmlns:r="http://schemas.openxmlformats.org/officeDocument/2006/relationships" xmlns:p="http://schemas.openxmlformats.org/presentationml/2006/main" xmlns:m="http://schemas.openxmlformats.org/officeDocument/2006/math" xmlns:w="http://schemas.openxmlformats.org/wordprocessingml/2006/main" matchingName="" preserve="1" showMasterPhAnim="0" showMasterSp="1" type="obj" userDrawn="1">
+<p:sldLayout xmlns:a="http://schemas.openxmlformats.org/drawingml/2006/main" xmlns:r="http://schemas.openxmlformats.org/officeDocument/2006/relationships" xmlns:p="http://schemas.openxmlformats.org/presentationml/2006/main" showMasterPhAnim="0" type="obj" preserve="1" userDrawn="1">
   <p:cSld name="Title and Content">
     <p:spTree>
       <p:nvGrpSpPr>
@@ -1726,7 +1735,6 @@
               <a:rPr lang="en-US"/>
               <a:t>Click to edit Master title style</a:t>
             </a:r>
-            <a:endParaRPr lang="en-US"/>
           </a:p>
         </p:txBody>
       </p:sp>
@@ -1792,7 +1800,6 @@
               <a:rPr lang="en-US"/>
               <a:t>Fifth level</a:t>
             </a:r>
-            <a:endParaRPr lang="en-US"/>
           </a:p>
         </p:txBody>
       </p:sp>
@@ -1816,7 +1823,7 @@
             </a:pPr>
             <a:fld id="{BCC18F51-09EC-435C-A3BA-64A766E099C0}" type="datetimeFigureOut">
               <a:rPr lang="en-US"/>
-              <a:t>30.10.2013</a:t>
+              <a:t>12/13/2025</a:t>
             </a:fld>
             <a:endParaRPr lang="en-US"/>
           </a:p>
@@ -1879,7 +1886,7 @@
 </file>
 
 <file path=ppt/slideLayouts/slideLayout3.xml><?xml version="1.0" encoding="utf-8"?>
-<p:sldLayout xmlns:a="http://schemas.openxmlformats.org/drawingml/2006/main" xmlns:r="http://schemas.openxmlformats.org/officeDocument/2006/relationships" xmlns:p="http://schemas.openxmlformats.org/presentationml/2006/main" xmlns:m="http://schemas.openxmlformats.org/officeDocument/2006/math" xmlns:w="http://schemas.openxmlformats.org/wordprocessingml/2006/main" matchingName="" preserve="1" showMasterPhAnim="0" showMasterSp="1" type="secHead" userDrawn="1">
+<p:sldLayout xmlns:a="http://schemas.openxmlformats.org/drawingml/2006/main" xmlns:r="http://schemas.openxmlformats.org/officeDocument/2006/relationships" xmlns:p="http://schemas.openxmlformats.org/presentationml/2006/main" showMasterPhAnim="0" type="secHead" preserve="1" userDrawn="1">
   <p:cSld name="Section Header">
     <p:spTree>
       <p:nvGrpSpPr>
@@ -1926,7 +1933,6 @@
               <a:rPr lang="en-US"/>
               <a:t>Click to edit Master title style</a:t>
             </a:r>
-            <a:endParaRPr lang="en-US"/>
           </a:p>
         </p:txBody>
       </p:sp>
@@ -2072,7 +2078,7 @@
             </a:pPr>
             <a:fld id="{BCC18F51-09EC-435C-A3BA-64A766E099C0}" type="datetimeFigureOut">
               <a:rPr lang="en-US"/>
-              <a:t>30.10.2013</a:t>
+              <a:t>12/13/2025</a:t>
             </a:fld>
             <a:endParaRPr lang="en-US"/>
           </a:p>
@@ -2135,7 +2141,7 @@
 </file>
 
 <file path=ppt/slideLayouts/slideLayout4.xml><?xml version="1.0" encoding="utf-8"?>
-<p:sldLayout xmlns:a="http://schemas.openxmlformats.org/drawingml/2006/main" xmlns:r="http://schemas.openxmlformats.org/officeDocument/2006/relationships" xmlns:p="http://schemas.openxmlformats.org/presentationml/2006/main" xmlns:m="http://schemas.openxmlformats.org/officeDocument/2006/math" xmlns:w="http://schemas.openxmlformats.org/wordprocessingml/2006/main" matchingName="" preserve="1" showMasterPhAnim="0" showMasterSp="1" type="twoObj" userDrawn="1">
+<p:sldLayout xmlns:a="http://schemas.openxmlformats.org/drawingml/2006/main" xmlns:r="http://schemas.openxmlformats.org/officeDocument/2006/relationships" xmlns:p="http://schemas.openxmlformats.org/presentationml/2006/main" showMasterPhAnim="0" type="twoObj" preserve="1" userDrawn="1">
   <p:cSld name="Two Content">
     <p:spTree>
       <p:nvGrpSpPr>
@@ -2173,7 +2179,6 @@
               <a:rPr lang="en-US"/>
               <a:t>Click to edit Master title style</a:t>
             </a:r>
-            <a:endParaRPr lang="en-US"/>
           </a:p>
         </p:txBody>
       </p:sp>
@@ -2244,7 +2249,6 @@
               <a:rPr lang="en-US"/>
               <a:t>Fifth level</a:t>
             </a:r>
-            <a:endParaRPr lang="en-US"/>
           </a:p>
         </p:txBody>
       </p:sp>
@@ -2315,7 +2319,6 @@
               <a:rPr lang="en-US"/>
               <a:t>Fifth level</a:t>
             </a:r>
-            <a:endParaRPr lang="en-US"/>
           </a:p>
         </p:txBody>
       </p:sp>
@@ -2339,7 +2342,7 @@
             </a:pPr>
             <a:fld id="{BCC18F51-09EC-435C-A3BA-64A766E099C0}" type="datetimeFigureOut">
               <a:rPr lang="en-US"/>
-              <a:t>30.10.2013</a:t>
+              <a:t>12/13/2025</a:t>
             </a:fld>
             <a:endParaRPr lang="en-US"/>
           </a:p>
@@ -2402,7 +2405,7 @@
 </file>
 
 <file path=ppt/slideLayouts/slideLayout5.xml><?xml version="1.0" encoding="utf-8"?>
-<p:sldLayout xmlns:a="http://schemas.openxmlformats.org/drawingml/2006/main" xmlns:r="http://schemas.openxmlformats.org/officeDocument/2006/relationships" xmlns:p="http://schemas.openxmlformats.org/presentationml/2006/main" xmlns:m="http://schemas.openxmlformats.org/officeDocument/2006/math" xmlns:w="http://schemas.openxmlformats.org/wordprocessingml/2006/main" matchingName="" preserve="1" showMasterPhAnim="0" showMasterSp="1" type="twoTxTwoObj" userDrawn="1">
+<p:sldLayout xmlns:a="http://schemas.openxmlformats.org/drawingml/2006/main" xmlns:r="http://schemas.openxmlformats.org/officeDocument/2006/relationships" xmlns:p="http://schemas.openxmlformats.org/presentationml/2006/main" showMasterPhAnim="0" type="twoTxTwoObj" preserve="1" userDrawn="1">
   <p:cSld name="Comparison">
     <p:spTree>
       <p:nvGrpSpPr>
@@ -2445,7 +2448,6 @@
               <a:rPr lang="en-US"/>
               <a:t>Click to edit Master title style</a:t>
             </a:r>
-            <a:endParaRPr lang="en-US"/>
           </a:p>
         </p:txBody>
       </p:sp>
@@ -2584,7 +2586,6 @@
               <a:rPr lang="en-US"/>
               <a:t>Fifth level</a:t>
             </a:r>
-            <a:endParaRPr lang="en-US"/>
           </a:p>
         </p:txBody>
       </p:sp>
@@ -2723,7 +2724,6 @@
               <a:rPr lang="en-US"/>
               <a:t>Fifth level</a:t>
             </a:r>
-            <a:endParaRPr lang="en-US"/>
           </a:p>
         </p:txBody>
       </p:sp>
@@ -2747,7 +2747,7 @@
             </a:pPr>
             <a:fld id="{BCC18F51-09EC-435C-A3BA-64A766E099C0}" type="datetimeFigureOut">
               <a:rPr lang="en-US"/>
-              <a:t>30.10.2013</a:t>
+              <a:t>12/13/2025</a:t>
             </a:fld>
             <a:endParaRPr lang="en-US"/>
           </a:p>
@@ -2810,7 +2810,7 @@
 </file>
 
 <file path=ppt/slideLayouts/slideLayout6.xml><?xml version="1.0" encoding="utf-8"?>
-<p:sldLayout xmlns:a="http://schemas.openxmlformats.org/drawingml/2006/main" xmlns:r="http://schemas.openxmlformats.org/officeDocument/2006/relationships" xmlns:p="http://schemas.openxmlformats.org/presentationml/2006/main" xmlns:m="http://schemas.openxmlformats.org/officeDocument/2006/math" xmlns:w="http://schemas.openxmlformats.org/wordprocessingml/2006/main" matchingName="" preserve="1" showMasterPhAnim="0" showMasterSp="1" type="titleOnly" userDrawn="1">
+<p:sldLayout xmlns:a="http://schemas.openxmlformats.org/drawingml/2006/main" xmlns:r="http://schemas.openxmlformats.org/officeDocument/2006/relationships" xmlns:p="http://schemas.openxmlformats.org/presentationml/2006/main" showMasterPhAnim="0" type="titleOnly" preserve="1" userDrawn="1">
   <p:cSld name="Title Only">
     <p:spTree>
       <p:nvGrpSpPr>
@@ -2848,7 +2848,6 @@
               <a:rPr lang="en-US"/>
               <a:t>Click to edit Master title style</a:t>
             </a:r>
-            <a:endParaRPr lang="en-US"/>
           </a:p>
         </p:txBody>
       </p:sp>
@@ -2872,7 +2871,7 @@
             </a:pPr>
             <a:fld id="{BCC18F51-09EC-435C-A3BA-64A766E099C0}" type="datetimeFigureOut">
               <a:rPr lang="en-US"/>
-              <a:t>30.10.2013</a:t>
+              <a:t>12/13/2025</a:t>
             </a:fld>
             <a:endParaRPr lang="en-US"/>
           </a:p>
@@ -2935,7 +2934,7 @@
 </file>
 
 <file path=ppt/slideLayouts/slideLayout7.xml><?xml version="1.0" encoding="utf-8"?>
-<p:sldLayout xmlns:a="http://schemas.openxmlformats.org/drawingml/2006/main" xmlns:r="http://schemas.openxmlformats.org/officeDocument/2006/relationships" xmlns:p="http://schemas.openxmlformats.org/presentationml/2006/main" xmlns:m="http://schemas.openxmlformats.org/officeDocument/2006/math" xmlns:w="http://schemas.openxmlformats.org/wordprocessingml/2006/main" matchingName="" preserve="1" showMasterPhAnim="0" showMasterSp="1" type="blank" userDrawn="1">
+<p:sldLayout xmlns:a="http://schemas.openxmlformats.org/drawingml/2006/main" xmlns:r="http://schemas.openxmlformats.org/officeDocument/2006/relationships" xmlns:p="http://schemas.openxmlformats.org/presentationml/2006/main" showMasterPhAnim="0" type="blank" preserve="1" userDrawn="1">
   <p:cSld name="Blank">
     <p:spTree>
       <p:nvGrpSpPr>
@@ -2971,7 +2970,7 @@
             </a:pPr>
             <a:fld id="{BCC18F51-09EC-435C-A3BA-64A766E099C0}" type="datetimeFigureOut">
               <a:rPr lang="en-US"/>
-              <a:t>30.10.2013</a:t>
+              <a:t>12/13/2025</a:t>
             </a:fld>
             <a:endParaRPr lang="en-US"/>
           </a:p>
@@ -3034,7 +3033,7 @@
 </file>
 
 <file path=ppt/slideLayouts/slideLayout8.xml><?xml version="1.0" encoding="utf-8"?>
-<p:sldLayout xmlns:a="http://schemas.openxmlformats.org/drawingml/2006/main" xmlns:r="http://schemas.openxmlformats.org/officeDocument/2006/relationships" xmlns:p="http://schemas.openxmlformats.org/presentationml/2006/main" xmlns:m="http://schemas.openxmlformats.org/officeDocument/2006/math" xmlns:w="http://schemas.openxmlformats.org/wordprocessingml/2006/main" matchingName="" preserve="1" showMasterPhAnim="0" showMasterSp="1" type="objTx" userDrawn="1">
+<p:sldLayout xmlns:a="http://schemas.openxmlformats.org/drawingml/2006/main" xmlns:r="http://schemas.openxmlformats.org/officeDocument/2006/relationships" xmlns:p="http://schemas.openxmlformats.org/presentationml/2006/main" showMasterPhAnim="0" type="objTx" preserve="1" userDrawn="1">
   <p:cSld name="Content with Caption">
     <p:spTree>
       <p:nvGrpSpPr>
@@ -3081,7 +3080,6 @@
               <a:rPr lang="en-US"/>
               <a:t>Click to edit Master title style</a:t>
             </a:r>
-            <a:endParaRPr lang="en-US"/>
           </a:p>
         </p:txBody>
       </p:sp>
@@ -3180,7 +3178,6 @@
               <a:rPr lang="en-US"/>
               <a:t>Fifth level</a:t>
             </a:r>
-            <a:endParaRPr lang="en-US"/>
           </a:p>
         </p:txBody>
       </p:sp>
@@ -3272,7 +3269,7 @@
             </a:pPr>
             <a:fld id="{BCC18F51-09EC-435C-A3BA-64A766E099C0}" type="datetimeFigureOut">
               <a:rPr lang="en-US"/>
-              <a:t>30.10.2013</a:t>
+              <a:t>12/13/2025</a:t>
             </a:fld>
             <a:endParaRPr lang="en-US"/>
           </a:p>
@@ -3335,7 +3332,7 @@
 </file>
 
 <file path=ppt/slideLayouts/slideLayout9.xml><?xml version="1.0" encoding="utf-8"?>
-<p:sldLayout xmlns:a="http://schemas.openxmlformats.org/drawingml/2006/main" xmlns:r="http://schemas.openxmlformats.org/officeDocument/2006/relationships" xmlns:p="http://schemas.openxmlformats.org/presentationml/2006/main" xmlns:m="http://schemas.openxmlformats.org/officeDocument/2006/math" xmlns:w="http://schemas.openxmlformats.org/wordprocessingml/2006/main" matchingName="" preserve="1" showMasterPhAnim="0" showMasterSp="1" type="picTx" userDrawn="1">
+<p:sldLayout xmlns:a="http://schemas.openxmlformats.org/drawingml/2006/main" xmlns:r="http://schemas.openxmlformats.org/officeDocument/2006/relationships" xmlns:p="http://schemas.openxmlformats.org/presentationml/2006/main" showMasterPhAnim="0" type="picTx" preserve="1" userDrawn="1">
   <p:cSld name="Picture with Caption">
     <p:spTree>
       <p:nvGrpSpPr>
@@ -3382,7 +3379,6 @@
               <a:rPr lang="en-US"/>
               <a:t>Click to edit Master title style</a:t>
             </a:r>
-            <a:endParaRPr lang="en-US"/>
           </a:p>
         </p:txBody>
       </p:sp>
@@ -3390,7 +3386,7 @@
         <p:nvSpPr>
           <p:cNvPr id="604149773" name="Picture Placeholder 2"/>
           <p:cNvSpPr>
-            <a:spLocks noChangeAspect="1" noGrp="1"/>
+            <a:spLocks noGrp="1" noChangeAspect="1"/>
           </p:cNvSpPr>
           <p:nvPr>
             <p:ph type="pic" idx="1"/>
@@ -3450,7 +3446,6 @@
               <a:rPr lang="en-US"/>
               <a:t>Click icon to add picture</a:t>
             </a:r>
-            <a:endParaRPr lang="en-US"/>
           </a:p>
         </p:txBody>
       </p:sp>
@@ -3542,7 +3537,7 @@
             </a:pPr>
             <a:fld id="{BCC18F51-09EC-435C-A3BA-64A766E099C0}" type="datetimeFigureOut">
               <a:rPr lang="en-US"/>
-              <a:t>30.10.2013</a:t>
+              <a:t>12/13/2025</a:t>
             </a:fld>
             <a:endParaRPr lang="en-US"/>
           </a:p>
@@ -3605,13 +3600,14 @@
 </file>
 
 <file path=ppt/slideMasters/slideMaster1.xml><?xml version="1.0" encoding="utf-8"?>
-<p:sldMaster xmlns:a="http://schemas.openxmlformats.org/drawingml/2006/main" xmlns:r="http://schemas.openxmlformats.org/officeDocument/2006/relationships" xmlns:p="http://schemas.openxmlformats.org/presentationml/2006/main" xmlns:m="http://schemas.openxmlformats.org/officeDocument/2006/math" xmlns:w="http://schemas.openxmlformats.org/wordprocessingml/2006/main" preserve="0">
-  <p:cSld name="">
+<p:sldMaster xmlns:a="http://schemas.openxmlformats.org/drawingml/2006/main" xmlns:r="http://schemas.openxmlformats.org/officeDocument/2006/relationships" xmlns:p="http://schemas.openxmlformats.org/presentationml/2006/main">
+  <p:cSld>
     <p:bg>
-      <p:bgPr shadeToTitle="0">
+      <p:bgPr>
         <a:solidFill>
           <a:srgbClr val="09090B"/>
         </a:solidFill>
+        <a:effectLst/>
       </p:bgPr>
     </p:bg>
     <p:spTree>
@@ -3660,7 +3656,6 @@
               <a:rPr lang="en-US"/>
               <a:t>Click to edit Master title style</a:t>
             </a:r>
-            <a:endParaRPr lang="en-US"/>
           </a:p>
         </p:txBody>
       </p:sp>
@@ -3736,7 +3731,6 @@
               <a:rPr lang="en-US"/>
               <a:t>Fifth level</a:t>
             </a:r>
-            <a:endParaRPr lang="en-US"/>
           </a:p>
         </p:txBody>
       </p:sp>
@@ -3778,7 +3772,7 @@
             </a:pPr>
             <a:fld id="{BCC18F51-09EC-435C-A3BA-64A766E099C0}" type="datetimeFigureOut">
               <a:rPr lang="en-US"/>
-              <a:t>30.10.2013</a:t>
+              <a:t>12/13/2025</a:t>
             </a:fld>
             <a:endParaRPr lang="en-US"/>
           </a:p>
@@ -4168,8 +4162,8 @@
 </file>
 
 <file path=ppt/slides/slide1.xml><?xml version="1.0" encoding="utf-8"?>
-<p:sld xmlns:a="http://schemas.openxmlformats.org/drawingml/2006/main" xmlns:r="http://schemas.openxmlformats.org/officeDocument/2006/relationships" xmlns:p="http://schemas.openxmlformats.org/presentationml/2006/main" xmlns:m="http://schemas.openxmlformats.org/officeDocument/2006/math" xmlns:w="http://schemas.openxmlformats.org/wordprocessingml/2006/main" xmlns:mc="http://schemas.openxmlformats.org/markup-compatibility/2006" showMasterPhAnim="0" showMasterSp="1" show="1">
-  <p:cSld name="">
+<p:sld xmlns:a="http://schemas.openxmlformats.org/drawingml/2006/main" xmlns:r="http://schemas.openxmlformats.org/officeDocument/2006/relationships" xmlns:p="http://schemas.openxmlformats.org/presentationml/2006/main" showMasterPhAnim="0">
+  <p:cSld>
     <p:spTree>
       <p:nvGrpSpPr>
         <p:cNvPr id="1" name=""/>
@@ -4186,7 +4180,7 @@
       </p:grpSpPr>
       <p:pic>
         <p:nvPicPr>
-          <p:cNvPr id="1622137697" name=""/>
+          <p:cNvPr id="1622137697" name="Kép 1622137696"/>
           <p:cNvPicPr>
             <a:picLocks noChangeAspect="1"/>
           </p:cNvPicPr>
@@ -4197,7 +4191,7 @@
           <a:stretch/>
         </p:blipFill>
         <p:spPr bwMode="auto">
-          <a:xfrm flipH="0" flipV="0">
+          <a:xfrm>
             <a:off x="2328409" y="245482"/>
             <a:ext cx="7535181" cy="2222357"/>
           </a:xfrm>
@@ -4208,7 +4202,7 @@
       </p:pic>
       <p:pic>
         <p:nvPicPr>
-          <p:cNvPr id="44152440" name=""/>
+          <p:cNvPr id="44152440" name="Kép 44152439"/>
           <p:cNvPicPr>
             <a:picLocks noChangeAspect="1"/>
           </p:cNvPicPr>
@@ -4219,7 +4213,7 @@
           <a:stretch/>
         </p:blipFill>
         <p:spPr bwMode="auto">
-          <a:xfrm flipH="0" flipV="0">
+          <a:xfrm>
             <a:off x="4216090" y="3219449"/>
             <a:ext cx="3759818" cy="631419"/>
           </a:xfrm>
@@ -4230,7 +4224,7 @@
       </p:pic>
       <p:pic>
         <p:nvPicPr>
-          <p:cNvPr id="1764287254" name=""/>
+          <p:cNvPr id="1764287254" name="Kép 1764287253"/>
           <p:cNvPicPr>
             <a:picLocks noChangeAspect="1"/>
           </p:cNvPicPr>
@@ -4252,7 +4246,7 @@
       </p:pic>
       <p:pic>
         <p:nvPicPr>
-          <p:cNvPr id="149276870" name=""/>
+          <p:cNvPr id="149276870" name="Kép 149276869"/>
           <p:cNvPicPr>
             <a:picLocks noChangeAspect="1"/>
           </p:cNvPicPr>
@@ -4274,7 +4268,7 @@
       </p:pic>
       <p:pic>
         <p:nvPicPr>
-          <p:cNvPr id="1222881362" name=""/>
+          <p:cNvPr id="1222881362" name="Kép 1222881361"/>
           <p:cNvPicPr>
             <a:picLocks noChangeAspect="1"/>
           </p:cNvPicPr>
@@ -4296,7 +4290,7 @@
       </p:pic>
       <p:pic>
         <p:nvPicPr>
-          <p:cNvPr id="1914735889" name=""/>
+          <p:cNvPr id="1914735889" name="Kép 1914735888"/>
           <p:cNvPicPr>
             <a:picLocks noChangeAspect="1"/>
           </p:cNvPicPr>
@@ -4321,14 +4315,6 @@
   <p:clrMapOvr>
     <a:masterClrMapping/>
   </p:clrMapOvr>
-  <mc:AlternateContent xmlns:mc="http://schemas.openxmlformats.org/markup-compatibility/2006">
-    <mc:Choice xmlns:p159="http://schemas.microsoft.com/office/powerpoint/2015/09/main" xmlns:p14="http://schemas.microsoft.com/office/powerpoint/2010/main" Requires="p159">
-      <p:transition p14:dur="2000" advClick="1"/>
-    </mc:Choice>
-    <mc:Fallback>
-      <p:transition advClick="1"/>
-    </mc:Fallback>
-  </mc:AlternateContent>
   <p:timing>
     <p:tnLst>
       <p:par>
@@ -4347,20 +4333,20 @@
                       </p:stCondLst>
                       <p:childTnLst>
                         <p:par>
-                          <p:cTn id="24" fill="hold">
+                          <p:cTn id="4" fill="hold">
                             <p:stCondLst>
                               <p:cond delay="0"/>
                             </p:stCondLst>
                             <p:childTnLst>
                               <p:par>
-                                <p:cTn id="25" presetID="10" presetClass="entr" presetSubtype="0" fill="hold" grpId="0" nodeType="afterEffect">
+                                <p:cTn id="5" presetID="10" presetClass="entr" presetSubtype="0" fill="hold" nodeType="afterEffect">
                                   <p:stCondLst>
                                     <p:cond delay="0"/>
                                   </p:stCondLst>
                                   <p:childTnLst>
                                     <p:set>
                                       <p:cBhvr>
-                                        <p:cTn id="27" dur="1" fill="hold">
+                                        <p:cTn id="6" dur="1" fill="hold">
                                           <p:stCondLst>
                                             <p:cond delay="0"/>
                                           </p:stCondLst>
@@ -4378,7 +4364,7 @@
                                     </p:set>
                                     <p:animEffect transition="in" filter="fade">
                                       <p:cBhvr>
-                                        <p:cTn id="26" dur="500"/>
+                                        <p:cTn id="7" dur="500"/>
                                         <p:tgtEl>
                                           <p:spTgt spid="1622137697"/>
                                         </p:tgtEl>
@@ -4391,20 +4377,20 @@
                           </p:cTn>
                         </p:par>
                         <p:par>
-                          <p:cTn id="20" fill="hold">
+                          <p:cTn id="8" fill="hold">
                             <p:stCondLst>
                               <p:cond delay="500"/>
                             </p:stCondLst>
                             <p:childTnLst>
                               <p:par>
-                                <p:cTn id="21" presetID="10" presetClass="entr" presetSubtype="0" fill="hold" grpId="0" nodeType="afterEffect">
+                                <p:cTn id="9" presetID="10" presetClass="entr" presetSubtype="0" fill="hold" nodeType="afterEffect">
                                   <p:stCondLst>
                                     <p:cond delay="0"/>
                                   </p:stCondLst>
                                   <p:childTnLst>
                                     <p:set>
                                       <p:cBhvr>
-                                        <p:cTn id="23" dur="1" fill="hold">
+                                        <p:cTn id="10" dur="1" fill="hold">
                                           <p:stCondLst>
                                             <p:cond delay="0"/>
                                           </p:stCondLst>
@@ -4422,7 +4408,7 @@
                                     </p:set>
                                     <p:animEffect transition="in" filter="fade">
                                       <p:cBhvr>
-                                        <p:cTn id="22" dur="500"/>
+                                        <p:cTn id="11" dur="500"/>
                                         <p:tgtEl>
                                           <p:spTgt spid="44152440"/>
                                         </p:tgtEl>
@@ -4435,20 +4421,20 @@
                           </p:cTn>
                         </p:par>
                         <p:par>
-                          <p:cTn id="16" fill="hold">
+                          <p:cTn id="12" fill="hold">
                             <p:stCondLst>
                               <p:cond delay="1000"/>
                             </p:stCondLst>
                             <p:childTnLst>
                               <p:par>
-                                <p:cTn id="17" presetID="10" presetClass="entr" presetSubtype="0" fill="hold" grpId="0" nodeType="afterEffect">
+                                <p:cTn id="13" presetID="10" presetClass="entr" presetSubtype="0" fill="hold" nodeType="afterEffect">
                                   <p:stCondLst>
                                     <p:cond delay="0"/>
                                   </p:stCondLst>
                                   <p:childTnLst>
                                     <p:set>
                                       <p:cBhvr>
-                                        <p:cTn id="19" dur="1" fill="hold">
+                                        <p:cTn id="14" dur="1" fill="hold">
                                           <p:stCondLst>
                                             <p:cond delay="0"/>
                                           </p:stCondLst>
@@ -4466,7 +4452,7 @@
                                     </p:set>
                                     <p:animEffect transition="in" filter="fade">
                                       <p:cBhvr>
-                                        <p:cTn id="18" dur="500"/>
+                                        <p:cTn id="15" dur="500"/>
                                         <p:tgtEl>
                                           <p:spTgt spid="1764287254"/>
                                         </p:tgtEl>
@@ -4479,20 +4465,20 @@
                           </p:cTn>
                         </p:par>
                         <p:par>
-                          <p:cTn id="12" fill="hold">
+                          <p:cTn id="16" fill="hold">
                             <p:stCondLst>
                               <p:cond delay="1500"/>
                             </p:stCondLst>
                             <p:childTnLst>
                               <p:par>
-                                <p:cTn id="13" presetID="10" presetClass="entr" presetSubtype="0" fill="hold" grpId="0" nodeType="afterEffect">
+                                <p:cTn id="17" presetID="10" presetClass="entr" presetSubtype="0" fill="hold" nodeType="afterEffect">
                                   <p:stCondLst>
                                     <p:cond delay="0"/>
                                   </p:stCondLst>
                                   <p:childTnLst>
                                     <p:set>
                                       <p:cBhvr>
-                                        <p:cTn id="15" dur="1" fill="hold">
+                                        <p:cTn id="18" dur="1" fill="hold">
                                           <p:stCondLst>
                                             <p:cond delay="0"/>
                                           </p:stCondLst>
@@ -4510,7 +4496,7 @@
                                     </p:set>
                                     <p:animEffect transition="in" filter="fade">
                                       <p:cBhvr>
-                                        <p:cTn id="14" dur="500"/>
+                                        <p:cTn id="19" dur="500"/>
                                         <p:tgtEl>
                                           <p:spTgt spid="149276870"/>
                                         </p:tgtEl>
@@ -4523,20 +4509,20 @@
                           </p:cTn>
                         </p:par>
                         <p:par>
-                          <p:cTn id="8" fill="hold">
+                          <p:cTn id="20" fill="hold">
                             <p:stCondLst>
                               <p:cond delay="2000"/>
                             </p:stCondLst>
                             <p:childTnLst>
                               <p:par>
-                                <p:cTn id="9" presetID="10" presetClass="entr" presetSubtype="0" fill="hold" grpId="0" nodeType="afterEffect">
+                                <p:cTn id="21" presetID="10" presetClass="entr" presetSubtype="0" fill="hold" nodeType="afterEffect">
                                   <p:stCondLst>
                                     <p:cond delay="0"/>
                                   </p:stCondLst>
                                   <p:childTnLst>
                                     <p:set>
                                       <p:cBhvr>
-                                        <p:cTn id="11" dur="1" fill="hold">
+                                        <p:cTn id="22" dur="1" fill="hold">
                                           <p:stCondLst>
                                             <p:cond delay="0"/>
                                           </p:stCondLst>
@@ -4554,7 +4540,7 @@
                                     </p:set>
                                     <p:animEffect transition="in" filter="fade">
                                       <p:cBhvr>
-                                        <p:cTn id="10" dur="500"/>
+                                        <p:cTn id="23" dur="500"/>
                                         <p:tgtEl>
                                           <p:spTgt spid="1222881362"/>
                                         </p:tgtEl>
@@ -4567,20 +4553,20 @@
                           </p:cTn>
                         </p:par>
                         <p:par>
-                          <p:cTn id="4" fill="hold">
+                          <p:cTn id="24" fill="hold">
                             <p:stCondLst>
                               <p:cond delay="2500"/>
                             </p:stCondLst>
                             <p:childTnLst>
                               <p:par>
-                                <p:cTn id="5" presetID="10" presetClass="entr" presetSubtype="0" fill="hold" grpId="0" nodeType="afterEffect">
+                                <p:cTn id="25" presetID="10" presetClass="entr" presetSubtype="0" fill="hold" nodeType="afterEffect">
                                   <p:stCondLst>
                                     <p:cond delay="0"/>
                                   </p:stCondLst>
                                   <p:childTnLst>
                                     <p:set>
                                       <p:cBhvr>
-                                        <p:cTn id="7" dur="1" fill="hold">
+                                        <p:cTn id="26" dur="1" fill="hold">
                                           <p:stCondLst>
                                             <p:cond delay="0"/>
                                           </p:stCondLst>
@@ -4598,7 +4584,7 @@
                                     </p:set>
                                     <p:animEffect transition="in" filter="fade">
                                       <p:cBhvr>
-                                        <p:cTn id="6" dur="500"/>
+                                        <p:cTn id="27" dur="500"/>
                                         <p:tgtEl>
                                           <p:spTgt spid="1914735889"/>
                                         </p:tgtEl>
@@ -4639,8 +4625,8 @@
 </file>
 
 <file path=ppt/slides/slide2.xml><?xml version="1.0" encoding="utf-8"?>
-<p:sld xmlns:a="http://schemas.openxmlformats.org/drawingml/2006/main" xmlns:r="http://schemas.openxmlformats.org/officeDocument/2006/relationships" xmlns:p="http://schemas.openxmlformats.org/presentationml/2006/main" xmlns:m="http://schemas.openxmlformats.org/officeDocument/2006/math" xmlns:w="http://schemas.openxmlformats.org/wordprocessingml/2006/main" xmlns:mc="http://schemas.openxmlformats.org/markup-compatibility/2006" showMasterPhAnim="0" showMasterSp="1" show="1">
-  <p:cSld name="">
+<p:sld xmlns:a="http://schemas.openxmlformats.org/drawingml/2006/main" xmlns:r="http://schemas.openxmlformats.org/officeDocument/2006/relationships" xmlns:p="http://schemas.openxmlformats.org/presentationml/2006/main" showMasterPhAnim="0">
+  <p:cSld>
     <p:spTree>
       <p:nvGrpSpPr>
         <p:cNvPr id="1" name=""/>
@@ -4657,7 +4643,7 @@
       </p:grpSpPr>
       <p:pic>
         <p:nvPicPr>
-          <p:cNvPr id="209869386" name=""/>
+          <p:cNvPr id="209869386" name="Kép 209869385"/>
           <p:cNvPicPr>
             <a:picLocks noChangeAspect="1"/>
           </p:cNvPicPr>
@@ -4668,7 +4654,7 @@
           <a:stretch/>
         </p:blipFill>
         <p:spPr bwMode="auto">
-          <a:xfrm rot="0" flipH="0" flipV="0">
+          <a:xfrm>
             <a:off x="2999231" y="64008"/>
             <a:ext cx="6355080" cy="1764792"/>
           </a:xfrm>
@@ -4679,7 +4665,7 @@
       </p:pic>
       <p:pic>
         <p:nvPicPr>
-          <p:cNvPr id="877546580" name=""/>
+          <p:cNvPr id="877546580" name="Kép 877546579"/>
           <p:cNvPicPr>
             <a:picLocks noChangeAspect="1"/>
           </p:cNvPicPr>
@@ -4701,7 +4687,7 @@
       </p:pic>
       <p:pic>
         <p:nvPicPr>
-          <p:cNvPr id="2070380664" name=""/>
+          <p:cNvPr id="2070380664" name="Kép 2070380663"/>
           <p:cNvPicPr>
             <a:picLocks noChangeAspect="1"/>
           </p:cNvPicPr>
@@ -4723,7 +4709,7 @@
       </p:pic>
       <p:pic>
         <p:nvPicPr>
-          <p:cNvPr id="478589956" name=""/>
+          <p:cNvPr id="478589956" name="Kép 478589955"/>
           <p:cNvPicPr>
             <a:picLocks noChangeAspect="1"/>
           </p:cNvPicPr>
@@ -4745,7 +4731,7 @@
       </p:pic>
       <p:pic>
         <p:nvPicPr>
-          <p:cNvPr id="970794803" name=""/>
+          <p:cNvPr id="970794803" name="Kép 970794802"/>
           <p:cNvPicPr>
             <a:picLocks noChangeAspect="1"/>
           </p:cNvPicPr>
@@ -4756,7 +4742,7 @@
           <a:stretch/>
         </p:blipFill>
         <p:spPr bwMode="auto">
-          <a:xfrm flipH="0" flipV="0">
+          <a:xfrm>
             <a:off x="46779" y="5250884"/>
             <a:ext cx="6315108" cy="1525559"/>
           </a:xfrm>
@@ -4767,7 +4753,7 @@
       </p:pic>
       <p:pic>
         <p:nvPicPr>
-          <p:cNvPr id="1550889509" name=""/>
+          <p:cNvPr id="1550889509" name="Kép 1550889508"/>
           <p:cNvPicPr>
             <a:picLocks noChangeAspect="1"/>
           </p:cNvPicPr>
@@ -4778,7 +4764,7 @@
           <a:stretch/>
         </p:blipFill>
         <p:spPr bwMode="auto">
-          <a:xfrm flipH="0" flipV="0">
+          <a:xfrm>
             <a:off x="6527813" y="1720744"/>
             <a:ext cx="5652996" cy="5055699"/>
           </a:xfrm>
@@ -4792,13 +4778,13 @@
   <p:clrMapOvr>
     <a:masterClrMapping/>
   </p:clrMapOvr>
-  <mc:AlternateContent xmlns:mc="http://schemas.openxmlformats.org/markup-compatibility/2006">
-    <mc:Choice xmlns:p159="http://schemas.microsoft.com/office/powerpoint/2015/09/main" xmlns:p14="http://schemas.microsoft.com/office/powerpoint/2010/main" Requires="p159">
-      <p:transition spd="med" p14:dur="500" advClick="1">
-        <p:fade thruBlk="0"/>
+  <mc:AlternateContent xmlns:mc="http://schemas.openxmlformats.org/markup-compatibility/2006" xmlns:p159="http://schemas.microsoft.com/office/powerpoint/2015/09/main">
+    <mc:Choice Requires="p159">
+      <p:transition>
+        <p:fade/>
       </p:transition>
     </mc:Choice>
-    <mc:Fallback>
+    <mc:Fallback xmlns="" xmlns:m="http://schemas.openxmlformats.org/officeDocument/2006/math" xmlns:w="http://schemas.openxmlformats.org/wordprocessingml/2006/main">
       <p:transition spd="med" advClick="1">
         <p:fade thruBlk="0"/>
       </p:transition>
@@ -4813,7 +4799,7 @@
               <p:cTn id="2" dur="indefinite" nodeType="mainSeq">
                 <p:childTnLst>
                   <p:par>
-                    <p:cTn id="12" fill="hold">
+                    <p:cTn id="3" fill="hold">
                       <p:stCondLst>
                         <p:cond delay="indefinite"/>
                         <p:cond evt="begin" delay="0">
@@ -4822,20 +4808,20 @@
                       </p:stCondLst>
                       <p:childTnLst>
                         <p:par>
-                          <p:cTn id="24" fill="hold">
+                          <p:cTn id="4" fill="hold">
                             <p:stCondLst>
                               <p:cond delay="0"/>
                             </p:stCondLst>
                             <p:childTnLst>
                               <p:par>
-                                <p:cTn id="25" presetID="10" presetClass="entr" presetSubtype="0" fill="hold" grpId="0" nodeType="afterEffect">
+                                <p:cTn id="5" presetID="10" presetClass="entr" presetSubtype="0" fill="hold" nodeType="afterEffect">
                                   <p:stCondLst>
                                     <p:cond delay="0"/>
                                   </p:stCondLst>
                                   <p:childTnLst>
                                     <p:set>
                                       <p:cBhvr>
-                                        <p:cTn id="27" dur="1" fill="hold">
+                                        <p:cTn id="6" dur="1" fill="hold">
                                           <p:stCondLst>
                                             <p:cond delay="0"/>
                                           </p:stCondLst>
@@ -4853,7 +4839,7 @@
                                     </p:set>
                                     <p:animEffect transition="in" filter="fade">
                                       <p:cBhvr>
-                                        <p:cTn id="26" dur="500"/>
+                                        <p:cTn id="7" dur="500"/>
                                         <p:tgtEl>
                                           <p:spTgt spid="209869386"/>
                                         </p:tgtEl>
@@ -4866,20 +4852,20 @@
                           </p:cTn>
                         </p:par>
                         <p:par>
-                          <p:cTn id="17" fill="hold">
+                          <p:cTn id="8" fill="hold">
                             <p:stCondLst>
                               <p:cond delay="500"/>
                             </p:stCondLst>
                             <p:childTnLst>
                               <p:par>
-                                <p:cTn id="21" presetID="10" presetClass="entr" presetSubtype="0" fill="hold" grpId="0" nodeType="afterEffect">
+                                <p:cTn id="9" presetID="10" presetClass="entr" presetSubtype="0" fill="hold" nodeType="afterEffect">
                                   <p:stCondLst>
                                     <p:cond delay="0"/>
                                   </p:stCondLst>
                                   <p:childTnLst>
                                     <p:set>
                                       <p:cBhvr>
-                                        <p:cTn id="23" dur="1" fill="hold">
+                                        <p:cTn id="10" dur="1" fill="hold">
                                           <p:stCondLst>
                                             <p:cond delay="0"/>
                                           </p:stCondLst>
@@ -4897,7 +4883,7 @@
                                     </p:set>
                                     <p:animEffect transition="in" filter="fade">
                                       <p:cBhvr>
-                                        <p:cTn id="22" dur="500"/>
+                                        <p:cTn id="11" dur="500"/>
                                         <p:tgtEl>
                                           <p:spTgt spid="478589956"/>
                                         </p:tgtEl>
@@ -4907,14 +4893,14 @@
                                 </p:cTn>
                               </p:par>
                               <p:par>
-                                <p:cTn id="18" presetID="10" presetClass="entr" presetSubtype="0" fill="hold" grpId="0" nodeType="withEffect">
+                                <p:cTn id="12" presetID="10" presetClass="entr" presetSubtype="0" fill="hold" nodeType="withEffect">
                                   <p:stCondLst>
                                     <p:cond delay="0"/>
                                   </p:stCondLst>
                                   <p:childTnLst>
                                     <p:set>
                                       <p:cBhvr>
-                                        <p:cTn id="20" dur="1" fill="hold">
+                                        <p:cTn id="13" dur="1" fill="hold">
                                           <p:stCondLst>
                                             <p:cond delay="0"/>
                                           </p:stCondLst>
@@ -4932,7 +4918,7 @@
                                     </p:set>
                                     <p:animEffect transition="in" filter="fade">
                                       <p:cBhvr>
-                                        <p:cTn id="19" dur="500"/>
+                                        <p:cTn id="14" dur="500"/>
                                         <p:tgtEl>
                                           <p:spTgt spid="877546580"/>
                                         </p:tgtEl>
@@ -4945,20 +4931,20 @@
                           </p:cTn>
                         </p:par>
                         <p:par>
-                          <p:cTn id="13" fill="hold">
+                          <p:cTn id="15" fill="hold">
                             <p:stCondLst>
                               <p:cond delay="1000"/>
                             </p:stCondLst>
                             <p:childTnLst>
                               <p:par>
-                                <p:cTn id="14" presetID="10" presetClass="entr" presetSubtype="0" fill="hold" grpId="0" nodeType="afterEffect">
+                                <p:cTn id="16" presetID="10" presetClass="entr" presetSubtype="0" fill="hold" nodeType="afterEffect">
                                   <p:stCondLst>
                                     <p:cond delay="0"/>
                                   </p:stCondLst>
                                   <p:childTnLst>
                                     <p:set>
                                       <p:cBhvr>
-                                        <p:cTn id="16" dur="1" fill="hold">
+                                        <p:cTn id="17" dur="1" fill="hold">
                                           <p:stCondLst>
                                             <p:cond delay="0"/>
                                           </p:stCondLst>
@@ -4976,7 +4962,7 @@
                                     </p:set>
                                     <p:animEffect transition="in" filter="fade">
                                       <p:cBhvr>
-                                        <p:cTn id="15" dur="500"/>
+                                        <p:cTn id="18" dur="500"/>
                                         <p:tgtEl>
                                           <p:spTgt spid="970794803"/>
                                         </p:tgtEl>
@@ -4992,26 +4978,26 @@
                     </p:cTn>
                   </p:par>
                   <p:par>
-                    <p:cTn id="3" fill="hold">
+                    <p:cTn id="19" fill="hold">
                       <p:stCondLst>
                         <p:cond delay="indefinite"/>
                       </p:stCondLst>
                       <p:childTnLst>
                         <p:par>
-                          <p:cTn id="8" fill="hold">
+                          <p:cTn id="20" fill="hold">
                             <p:stCondLst>
                               <p:cond delay="0"/>
                             </p:stCondLst>
                             <p:childTnLst>
                               <p:par>
-                                <p:cTn id="9" presetID="10" presetClass="entr" presetSubtype="0" fill="hold" grpId="0" nodeType="clickEffect">
+                                <p:cTn id="21" presetID="10" presetClass="entr" presetSubtype="0" fill="hold" nodeType="clickEffect">
                                   <p:stCondLst>
                                     <p:cond delay="0"/>
                                   </p:stCondLst>
                                   <p:childTnLst>
                                     <p:set>
                                       <p:cBhvr>
-                                        <p:cTn id="11" dur="1" fill="hold">
+                                        <p:cTn id="22" dur="1" fill="hold">
                                           <p:stCondLst>
                                             <p:cond delay="0"/>
                                           </p:stCondLst>
@@ -5029,7 +5015,7 @@
                                     </p:set>
                                     <p:animEffect transition="in" filter="fade">
                                       <p:cBhvr>
-                                        <p:cTn id="10" dur="500"/>
+                                        <p:cTn id="23" dur="500"/>
                                         <p:tgtEl>
                                           <p:spTgt spid="2070380664"/>
                                         </p:tgtEl>
@@ -5042,20 +5028,20 @@
                           </p:cTn>
                         </p:par>
                         <p:par>
-                          <p:cTn id="4" fill="hold">
+                          <p:cTn id="24" fill="hold">
                             <p:stCondLst>
                               <p:cond delay="500"/>
                             </p:stCondLst>
                             <p:childTnLst>
                               <p:par>
-                                <p:cTn id="5" presetID="10" presetClass="entr" presetSubtype="0" fill="hold" grpId="0" nodeType="afterEffect">
+                                <p:cTn id="25" presetID="10" presetClass="entr" presetSubtype="0" fill="hold" nodeType="afterEffect">
                                   <p:stCondLst>
                                     <p:cond delay="0"/>
                                   </p:stCondLst>
                                   <p:childTnLst>
                                     <p:set>
                                       <p:cBhvr>
-                                        <p:cTn id="7" dur="1" fill="hold">
+                                        <p:cTn id="26" dur="1" fill="hold">
                                           <p:stCondLst>
                                             <p:cond delay="0"/>
                                           </p:stCondLst>
@@ -5073,7 +5059,7 @@
                                     </p:set>
                                     <p:animEffect transition="in" filter="fade">
                                       <p:cBhvr>
-                                        <p:cTn id="6" dur="500"/>
+                                        <p:cTn id="27" dur="500"/>
                                         <p:tgtEl>
                                           <p:spTgt spid="1550889509"/>
                                         </p:tgtEl>
@@ -5114,8 +5100,8 @@
 </file>
 
 <file path=ppt/slides/slide3.xml><?xml version="1.0" encoding="utf-8"?>
-<p:sld xmlns:a="http://schemas.openxmlformats.org/drawingml/2006/main" xmlns:r="http://schemas.openxmlformats.org/officeDocument/2006/relationships" xmlns:p="http://schemas.openxmlformats.org/presentationml/2006/main" xmlns:m="http://schemas.openxmlformats.org/officeDocument/2006/math" xmlns:w="http://schemas.openxmlformats.org/wordprocessingml/2006/main" xmlns:mc="http://schemas.openxmlformats.org/markup-compatibility/2006" showMasterPhAnim="0" showMasterSp="1" show="1">
-  <p:cSld name="">
+<p:sld xmlns:a="http://schemas.openxmlformats.org/drawingml/2006/main" xmlns:r="http://schemas.openxmlformats.org/officeDocument/2006/relationships" xmlns:p="http://schemas.openxmlformats.org/presentationml/2006/main" showMasterPhAnim="0">
+  <p:cSld>
     <p:spTree>
       <p:nvGrpSpPr>
         <p:cNvPr id="1" name=""/>
@@ -5132,7 +5118,7 @@
       </p:grpSpPr>
       <p:pic>
         <p:nvPicPr>
-          <p:cNvPr id="1418448318" name=""/>
+          <p:cNvPr id="1418448318" name="Kép 1418448317"/>
           <p:cNvPicPr>
             <a:picLocks noChangeAspect="1"/>
           </p:cNvPicPr>
@@ -5143,7 +5129,7 @@
           <a:stretch/>
         </p:blipFill>
         <p:spPr bwMode="auto">
-          <a:xfrm rot="0" flipH="0" flipV="0">
+          <a:xfrm>
             <a:off x="2999231" y="64008"/>
             <a:ext cx="6355080" cy="1764792"/>
           </a:xfrm>
@@ -5154,7 +5140,7 @@
       </p:pic>
       <p:pic>
         <p:nvPicPr>
-          <p:cNvPr id="242959052" name=""/>
+          <p:cNvPr id="242959052" name="Kép 242959051"/>
           <p:cNvPicPr>
             <a:picLocks noChangeAspect="1"/>
           </p:cNvPicPr>
@@ -5176,7 +5162,7 @@
       </p:pic>
       <p:pic>
         <p:nvPicPr>
-          <p:cNvPr id="315856532" name=""/>
+          <p:cNvPr id="315856532" name="Kép 315856531"/>
           <p:cNvPicPr>
             <a:picLocks noChangeAspect="1"/>
           </p:cNvPicPr>
@@ -5184,11 +5170,11 @@
         </p:nvPicPr>
         <p:blipFill rotWithShape="1">
           <a:blip r:embed="rId5"/>
-          <a:srcRect l="0" t="0" r="5480" b="0"/>
+          <a:srcRect r="5480"/>
           <a:stretch/>
         </p:blipFill>
         <p:spPr bwMode="auto">
-          <a:xfrm flipH="0" flipV="0">
+          <a:xfrm>
             <a:off x="4547412" y="2038349"/>
             <a:ext cx="7540114" cy="4190999"/>
           </a:xfrm>
@@ -5199,7 +5185,7 @@
       </p:pic>
       <p:pic>
         <p:nvPicPr>
-          <p:cNvPr id="931508223" name=""/>
+          <p:cNvPr id="931508223" name="Kép 931508222"/>
           <p:cNvPicPr>
             <a:picLocks noChangeAspect="1"/>
           </p:cNvPicPr>
@@ -5221,7 +5207,7 @@
       </p:pic>
       <p:pic>
         <p:nvPicPr>
-          <p:cNvPr id="1531494431" name=""/>
+          <p:cNvPr id="1531494431" name="Kép 1531494430"/>
           <p:cNvPicPr>
             <a:picLocks noChangeAspect="1"/>
           </p:cNvPicPr>
@@ -5243,7 +5229,7 @@
       </p:pic>
       <p:pic>
         <p:nvPicPr>
-          <p:cNvPr id="1314209822" name=""/>
+          <p:cNvPr id="1314209822" name="Kép 1314209821"/>
           <p:cNvPicPr>
             <a:picLocks noChangeAspect="1"/>
           </p:cNvPicPr>
@@ -5268,13 +5254,13 @@
   <p:clrMapOvr>
     <a:masterClrMapping/>
   </p:clrMapOvr>
-  <mc:AlternateContent xmlns:mc="http://schemas.openxmlformats.org/markup-compatibility/2006">
-    <mc:Choice xmlns:p159="http://schemas.microsoft.com/office/powerpoint/2015/09/main" xmlns:p14="http://schemas.microsoft.com/office/powerpoint/2010/main" Requires="p159">
-      <p:transition spd="med" p14:dur="500" advClick="1">
-        <p:fade thruBlk="0"/>
+  <mc:AlternateContent xmlns:mc="http://schemas.openxmlformats.org/markup-compatibility/2006" xmlns:p159="http://schemas.microsoft.com/office/powerpoint/2015/09/main">
+    <mc:Choice Requires="p159">
+      <p:transition>
+        <p:fade/>
       </p:transition>
     </mc:Choice>
-    <mc:Fallback>
+    <mc:Fallback xmlns="" xmlns:m="http://schemas.openxmlformats.org/officeDocument/2006/math" xmlns:w="http://schemas.openxmlformats.org/wordprocessingml/2006/main">
       <p:transition spd="med" advClick="1">
         <p:fade thruBlk="0"/>
       </p:transition>
@@ -5289,7 +5275,7 @@
               <p:cTn id="2" dur="indefinite" nodeType="mainSeq">
                 <p:childTnLst>
                   <p:par>
-                    <p:cTn id="21" fill="hold">
+                    <p:cTn id="3" fill="hold">
                       <p:stCondLst>
                         <p:cond delay="indefinite"/>
                         <p:cond evt="begin" delay="0">
@@ -5298,20 +5284,20 @@
                       </p:stCondLst>
                       <p:childTnLst>
                         <p:par>
-                          <p:cTn id="26" fill="hold">
+                          <p:cTn id="4" fill="hold">
                             <p:stCondLst>
                               <p:cond delay="0"/>
                             </p:stCondLst>
                             <p:childTnLst>
                               <p:par>
-                                <p:cTn id="27" presetID="10" presetClass="entr" presetSubtype="0" fill="hold" grpId="0" nodeType="afterEffect">
+                                <p:cTn id="5" presetID="10" presetClass="entr" presetSubtype="0" fill="hold" nodeType="afterEffect">
                                   <p:stCondLst>
                                     <p:cond delay="0"/>
                                   </p:stCondLst>
                                   <p:childTnLst>
                                     <p:set>
                                       <p:cBhvr>
-                                        <p:cTn id="29" dur="1" fill="hold">
+                                        <p:cTn id="6" dur="1" fill="hold">
                                           <p:stCondLst>
                                             <p:cond delay="0"/>
                                           </p:stCondLst>
@@ -5329,7 +5315,7 @@
                                     </p:set>
                                     <p:animEffect transition="in" filter="fade">
                                       <p:cBhvr>
-                                        <p:cTn id="28" dur="500"/>
+                                        <p:cTn id="7" dur="500"/>
                                         <p:tgtEl>
                                           <p:spTgt spid="1418448318"/>
                                         </p:tgtEl>
@@ -5342,20 +5328,20 @@
                           </p:cTn>
                         </p:par>
                         <p:par>
-                          <p:cTn id="22" fill="hold">
+                          <p:cTn id="8" fill="hold">
                             <p:stCondLst>
                               <p:cond delay="500"/>
                             </p:stCondLst>
                             <p:childTnLst>
                               <p:par>
-                                <p:cTn id="23" presetID="10" presetClass="entr" presetSubtype="0" fill="hold" grpId="0" nodeType="afterEffect">
+                                <p:cTn id="9" presetID="10" presetClass="entr" presetSubtype="0" fill="hold" nodeType="afterEffect">
                                   <p:stCondLst>
                                     <p:cond delay="0"/>
                                   </p:stCondLst>
                                   <p:childTnLst>
                                     <p:set>
                                       <p:cBhvr>
-                                        <p:cTn id="25" dur="1" fill="hold">
+                                        <p:cTn id="10" dur="1" fill="hold">
                                           <p:stCondLst>
                                             <p:cond delay="0"/>
                                           </p:stCondLst>
@@ -5373,7 +5359,7 @@
                                     </p:set>
                                     <p:animEffect transition="in" filter="fade">
                                       <p:cBhvr>
-                                        <p:cTn id="24" dur="500"/>
+                                        <p:cTn id="11" dur="500"/>
                                         <p:tgtEl>
                                           <p:spTgt spid="931508223"/>
                                         </p:tgtEl>
@@ -5395,20 +5381,20 @@
                       </p:stCondLst>
                       <p:childTnLst>
                         <p:par>
-                          <p:cTn id="17" fill="hold">
+                          <p:cTn id="13" fill="hold">
                             <p:stCondLst>
                               <p:cond delay="0"/>
                             </p:stCondLst>
                             <p:childTnLst>
                               <p:par>
-                                <p:cTn id="18" presetID="10" presetClass="entr" presetSubtype="0" fill="hold" grpId="0" nodeType="clickEffect">
+                                <p:cTn id="14" presetID="10" presetClass="entr" presetSubtype="0" fill="hold" nodeType="clickEffect">
                                   <p:stCondLst>
                                     <p:cond delay="0"/>
                                   </p:stCondLst>
                                   <p:childTnLst>
                                     <p:set>
                                       <p:cBhvr>
-                                        <p:cTn id="20" dur="1" fill="hold">
+                                        <p:cTn id="15" dur="1" fill="hold">
                                           <p:stCondLst>
                                             <p:cond delay="0"/>
                                           </p:stCondLst>
@@ -5426,7 +5412,7 @@
                                     </p:set>
                                     <p:animEffect transition="in" filter="fade">
                                       <p:cBhvr>
-                                        <p:cTn id="19" dur="500"/>
+                                        <p:cTn id="16" dur="500"/>
                                         <p:tgtEl>
                                           <p:spTgt spid="1531494431"/>
                                         </p:tgtEl>
@@ -5439,20 +5425,20 @@
                           </p:cTn>
                         </p:par>
                         <p:par>
-                          <p:cTn id="13" fill="hold">
+                          <p:cTn id="17" fill="hold">
                             <p:stCondLst>
                               <p:cond delay="500"/>
                             </p:stCondLst>
                             <p:childTnLst>
                               <p:par>
-                                <p:cTn id="14" presetID="10" presetClass="entr" presetSubtype="0" fill="hold" grpId="0" nodeType="afterEffect">
+                                <p:cTn id="18" presetID="10" presetClass="entr" presetSubtype="0" fill="hold" nodeType="afterEffect">
                                   <p:stCondLst>
                                     <p:cond delay="0"/>
                                   </p:stCondLst>
                                   <p:childTnLst>
                                     <p:set>
                                       <p:cBhvr>
-                                        <p:cTn id="16" dur="1" fill="hold">
+                                        <p:cTn id="19" dur="1" fill="hold">
                                           <p:stCondLst>
                                             <p:cond delay="0"/>
                                           </p:stCondLst>
@@ -5470,7 +5456,7 @@
                                     </p:set>
                                     <p:animEffect transition="in" filter="fade">
                                       <p:cBhvr>
-                                        <p:cTn id="15" dur="500"/>
+                                        <p:cTn id="20" dur="500"/>
                                         <p:tgtEl>
                                           <p:spTgt spid="315856532"/>
                                         </p:tgtEl>
@@ -5486,26 +5472,26 @@
                     </p:cTn>
                   </p:par>
                   <p:par>
-                    <p:cTn id="3" fill="hold">
+                    <p:cTn id="21" fill="hold">
                       <p:stCondLst>
                         <p:cond delay="indefinite"/>
                       </p:stCondLst>
                       <p:childTnLst>
                         <p:par>
-                          <p:cTn id="8" fill="hold">
+                          <p:cTn id="22" fill="hold">
                             <p:stCondLst>
                               <p:cond delay="0"/>
                             </p:stCondLst>
                             <p:childTnLst>
                               <p:par>
-                                <p:cTn id="9" presetID="10" presetClass="entr" presetSubtype="0" fill="hold" grpId="0" nodeType="clickEffect">
+                                <p:cTn id="23" presetID="10" presetClass="entr" presetSubtype="0" fill="hold" nodeType="clickEffect">
                                   <p:stCondLst>
                                     <p:cond delay="0"/>
                                   </p:stCondLst>
                                   <p:childTnLst>
                                     <p:set>
                                       <p:cBhvr>
-                                        <p:cTn id="11" dur="1" fill="hold">
+                                        <p:cTn id="24" dur="1" fill="hold">
                                           <p:stCondLst>
                                             <p:cond delay="0"/>
                                           </p:stCondLst>
@@ -5523,7 +5509,7 @@
                                     </p:set>
                                     <p:animEffect transition="in" filter="fade">
                                       <p:cBhvr>
-                                        <p:cTn id="10" dur="500"/>
+                                        <p:cTn id="25" dur="500"/>
                                         <p:tgtEl>
                                           <p:spTgt spid="1314209822"/>
                                         </p:tgtEl>
@@ -5536,20 +5522,20 @@
                           </p:cTn>
                         </p:par>
                         <p:par>
-                          <p:cTn id="4" fill="hold">
+                          <p:cTn id="26" fill="hold">
                             <p:stCondLst>
                               <p:cond delay="500"/>
                             </p:stCondLst>
                             <p:childTnLst>
                               <p:par>
-                                <p:cTn id="5" presetID="10" presetClass="entr" presetSubtype="0" fill="hold" grpId="0" nodeType="afterEffect">
+                                <p:cTn id="27" presetID="10" presetClass="entr" presetSubtype="0" fill="hold" nodeType="afterEffect">
                                   <p:stCondLst>
                                     <p:cond delay="0"/>
                                   </p:stCondLst>
                                   <p:childTnLst>
                                     <p:set>
                                       <p:cBhvr>
-                                        <p:cTn id="7" dur="1" fill="hold">
+                                        <p:cTn id="28" dur="1" fill="hold">
                                           <p:stCondLst>
                                             <p:cond delay="0"/>
                                           </p:stCondLst>
@@ -5567,7 +5553,7 @@
                                     </p:set>
                                     <p:animEffect transition="in" filter="fade">
                                       <p:cBhvr>
-                                        <p:cTn id="6" dur="500"/>
+                                        <p:cTn id="29" dur="500"/>
                                         <p:tgtEl>
                                           <p:spTgt spid="242959052"/>
                                         </p:tgtEl>
@@ -5608,13 +5594,14 @@
 </file>
 
 <file path=ppt/slides/slide4.xml><?xml version="1.0" encoding="utf-8"?>
-<p:sld xmlns:a="http://schemas.openxmlformats.org/drawingml/2006/main" xmlns:r="http://schemas.openxmlformats.org/officeDocument/2006/relationships" xmlns:p="http://schemas.openxmlformats.org/presentationml/2006/main" xmlns:m="http://schemas.openxmlformats.org/officeDocument/2006/math" xmlns:w="http://schemas.openxmlformats.org/wordprocessingml/2006/main" xmlns:mc="http://schemas.openxmlformats.org/markup-compatibility/2006" showMasterPhAnim="0" showMasterSp="1" show="1">
-  <p:cSld name="">
+<p:sld xmlns:a="http://schemas.openxmlformats.org/drawingml/2006/main" xmlns:r="http://schemas.openxmlformats.org/officeDocument/2006/relationships" xmlns:p="http://schemas.openxmlformats.org/presentationml/2006/main" showMasterPhAnim="0">
+  <p:cSld>
     <p:bg>
-      <p:bgPr shadeToTitle="0">
+      <p:bgPr>
         <a:solidFill>
           <a:srgbClr val="09090B"/>
         </a:solidFill>
+        <a:effectLst/>
       </p:bgPr>
     </p:bg>
     <p:spTree>
@@ -5633,7 +5620,7 @@
       </p:grpSpPr>
       <p:pic>
         <p:nvPicPr>
-          <p:cNvPr id="696012218" name=""/>
+          <p:cNvPr id="2000797029" name="Kép 2000797028"/>
           <p:cNvPicPr>
             <a:picLocks noChangeAspect="1"/>
           </p:cNvPicPr>
@@ -5641,28 +5628,6 @@
         </p:nvPicPr>
         <p:blipFill rotWithShape="1">
           <a:blip r:embed="rId3"/>
-          <a:stretch/>
-        </p:blipFill>
-        <p:spPr bwMode="auto">
-          <a:xfrm flipH="0" flipV="0">
-            <a:off x="208794" y="4046817"/>
-            <a:ext cx="5478604" cy="2777634"/>
-          </a:xfrm>
-          <a:prstGeom prst="rect">
-            <a:avLst/>
-          </a:prstGeom>
-        </p:spPr>
-      </p:pic>
-      <p:pic>
-        <p:nvPicPr>
-          <p:cNvPr id="2000797029" name=""/>
-          <p:cNvPicPr>
-            <a:picLocks noChangeAspect="1"/>
-          </p:cNvPicPr>
-          <p:nvPr/>
-        </p:nvPicPr>
-        <p:blipFill rotWithShape="1">
-          <a:blip r:embed="rId4"/>
           <a:stretch/>
         </p:blipFill>
         <p:spPr bwMode="auto">
@@ -5677,18 +5642,18 @@
       </p:pic>
       <p:pic>
         <p:nvPicPr>
-          <p:cNvPr id="435965714" name=""/>
+          <p:cNvPr id="435965714" name="Kép 435965713"/>
           <p:cNvPicPr>
             <a:picLocks noChangeAspect="1"/>
           </p:cNvPicPr>
           <p:nvPr/>
         </p:nvPicPr>
         <p:blipFill rotWithShape="1">
-          <a:blip r:embed="rId5"/>
+          <a:blip r:embed="rId4"/>
           <a:stretch/>
         </p:blipFill>
         <p:spPr bwMode="auto">
-          <a:xfrm rot="0" flipH="0" flipV="0">
+          <a:xfrm>
             <a:off x="3474337" y="73152"/>
             <a:ext cx="5586983" cy="1764792"/>
           </a:xfrm>
@@ -5699,14 +5664,14 @@
       </p:pic>
       <p:pic>
         <p:nvPicPr>
-          <p:cNvPr id="995386912" name=""/>
+          <p:cNvPr id="995386912" name="Kép 995386911"/>
           <p:cNvPicPr>
             <a:picLocks noChangeAspect="1"/>
           </p:cNvPicPr>
           <p:nvPr/>
         </p:nvPicPr>
         <p:blipFill rotWithShape="1">
-          <a:blip r:embed="rId6"/>
+          <a:blip r:embed="rId5"/>
           <a:stretch/>
         </p:blipFill>
         <p:spPr bwMode="auto">
@@ -5721,14 +5686,14 @@
       </p:pic>
       <p:pic>
         <p:nvPicPr>
-          <p:cNvPr id="385384373" name=""/>
+          <p:cNvPr id="385384373" name="Kép 385384372"/>
           <p:cNvPicPr>
             <a:picLocks noChangeAspect="1"/>
           </p:cNvPicPr>
           <p:nvPr/>
         </p:nvPicPr>
         <p:blipFill rotWithShape="1">
-          <a:blip r:embed="rId7"/>
+          <a:blip r:embed="rId6"/>
           <a:stretch/>
         </p:blipFill>
         <p:spPr bwMode="auto">
@@ -5743,20 +5708,56 @@
       </p:pic>
       <p:pic>
         <p:nvPicPr>
-          <p:cNvPr id="342672356" name=""/>
+          <p:cNvPr id="342672356" name="Kép 342672355"/>
           <p:cNvPicPr>
             <a:picLocks noChangeAspect="1"/>
           </p:cNvPicPr>
           <p:nvPr/>
         </p:nvPicPr>
         <p:blipFill rotWithShape="1">
-          <a:blip r:embed="rId8"/>
+          <a:blip r:embed="rId7"/>
           <a:stretch/>
         </p:blipFill>
         <p:spPr bwMode="auto">
-          <a:xfrm flipH="0" flipV="0">
+          <a:xfrm>
             <a:off x="6095999" y="1902618"/>
             <a:ext cx="5421943" cy="4157662"/>
+          </a:xfrm>
+          <a:prstGeom prst="rect">
+            <a:avLst/>
+          </a:prstGeom>
+        </p:spPr>
+      </p:pic>
+      <p:pic>
+        <p:nvPicPr>
+          <p:cNvPr id="7" name="Kép 6" descr="A képen szöveg, képernyőkép, diagram, Betűtípus látható&#10;&#10;Előfordulhat, hogy az AI által létrehozott tartalom helytelen.">
+            <a:extLst>
+              <a:ext uri="{FF2B5EF4-FFF2-40B4-BE49-F238E27FC236}">
+                <a16:creationId xmlns:a16="http://schemas.microsoft.com/office/drawing/2014/main" id="{EF324249-27B1-B52A-8B5A-05283921D24C}"/>
+              </a:ext>
+            </a:extLst>
+          </p:cNvPr>
+          <p:cNvPicPr>
+            <a:picLocks noChangeAspect="1"/>
+          </p:cNvPicPr>
+          <p:nvPr/>
+        </p:nvPicPr>
+        <p:blipFill>
+          <a:blip r:embed="rId8">
+            <a:extLst>
+              <a:ext uri="{28A0092B-C50C-407E-A947-70E740481C1C}">
+                <a14:useLocalDpi xmlns:a14="http://schemas.microsoft.com/office/drawing/2010/main" val="0"/>
+              </a:ext>
+            </a:extLst>
+          </a:blip>
+          <a:stretch>
+            <a:fillRect/>
+          </a:stretch>
+        </p:blipFill>
+        <p:spPr>
+          <a:xfrm>
+            <a:off x="2420226" y="3192468"/>
+            <a:ext cx="4924353" cy="3665532"/>
           </a:xfrm>
           <a:prstGeom prst="rect">
             <a:avLst/>
@@ -5768,13 +5769,13 @@
   <p:clrMapOvr>
     <a:masterClrMapping/>
   </p:clrMapOvr>
-  <mc:AlternateContent xmlns:mc="http://schemas.openxmlformats.org/markup-compatibility/2006">
-    <mc:Choice xmlns:p159="http://schemas.microsoft.com/office/powerpoint/2015/09/main" xmlns:p14="http://schemas.microsoft.com/office/powerpoint/2010/main" Requires="p159">
-      <p:transition spd="med" p14:dur="500" advClick="1">
-        <p:fade thruBlk="0"/>
+  <mc:AlternateContent xmlns:mc="http://schemas.openxmlformats.org/markup-compatibility/2006" xmlns:p159="http://schemas.microsoft.com/office/powerpoint/2015/09/main">
+    <mc:Choice Requires="p159">
+      <p:transition>
+        <p:fade/>
       </p:transition>
     </mc:Choice>
-    <mc:Fallback>
+    <mc:Fallback xmlns="" xmlns:m="http://schemas.openxmlformats.org/officeDocument/2006/math" xmlns:w="http://schemas.openxmlformats.org/wordprocessingml/2006/main">
       <p:transition spd="med" advClick="1">
         <p:fade thruBlk="0"/>
       </p:transition>
@@ -5789,7 +5790,7 @@
               <p:cTn id="2" dur="indefinite" nodeType="mainSeq">
                 <p:childTnLst>
                   <p:par>
-                    <p:cTn id="13" fill="hold">
+                    <p:cTn id="3" fill="hold">
                       <p:stCondLst>
                         <p:cond delay="indefinite"/>
                         <p:cond evt="begin" delay="0">
@@ -5798,20 +5799,20 @@
                       </p:stCondLst>
                       <p:childTnLst>
                         <p:par>
-                          <p:cTn id="26" fill="hold">
+                          <p:cTn id="4" fill="hold">
                             <p:stCondLst>
                               <p:cond delay="0"/>
                             </p:stCondLst>
                             <p:childTnLst>
                               <p:par>
-                                <p:cTn id="27" presetID="10" presetClass="entr" presetSubtype="0" fill="hold" grpId="0" nodeType="afterEffect">
+                                <p:cTn id="5" presetID="10" presetClass="entr" presetSubtype="0" fill="hold" nodeType="afterEffect">
                                   <p:stCondLst>
                                     <p:cond delay="0"/>
                                   </p:stCondLst>
                                   <p:childTnLst>
                                     <p:set>
                                       <p:cBhvr>
-                                        <p:cTn id="29" dur="1" fill="hold">
+                                        <p:cTn id="6" dur="1" fill="hold">
                                           <p:stCondLst>
                                             <p:cond delay="0"/>
                                           </p:stCondLst>
@@ -5829,7 +5830,7 @@
                                     </p:set>
                                     <p:animEffect transition="in" filter="fade">
                                       <p:cBhvr>
-                                        <p:cTn id="28" dur="500"/>
+                                        <p:cTn id="7" dur="500"/>
                                         <p:tgtEl>
                                           <p:spTgt spid="435965714"/>
                                         </p:tgtEl>
@@ -5842,20 +5843,20 @@
                           </p:cTn>
                         </p:par>
                         <p:par>
-                          <p:cTn id="22" fill="hold">
+                          <p:cTn id="8" fill="hold">
                             <p:stCondLst>
                               <p:cond delay="500"/>
                             </p:stCondLst>
                             <p:childTnLst>
                               <p:par>
-                                <p:cTn id="23" presetID="10" presetClass="entr" presetSubtype="0" fill="hold" grpId="0" nodeType="afterEffect">
+                                <p:cTn id="9" presetID="10" presetClass="entr" presetSubtype="0" fill="hold" nodeType="afterEffect">
                                   <p:stCondLst>
                                     <p:cond delay="0"/>
                                   </p:stCondLst>
                                   <p:childTnLst>
                                     <p:set>
                                       <p:cBhvr>
-                                        <p:cTn id="25" dur="1" fill="hold">
+                                        <p:cTn id="10" dur="1" fill="hold">
                                           <p:stCondLst>
                                             <p:cond delay="0"/>
                                           </p:stCondLst>
@@ -5873,7 +5874,7 @@
                                     </p:set>
                                     <p:animEffect transition="in" filter="fade">
                                       <p:cBhvr>
-                                        <p:cTn id="24" dur="500"/>
+                                        <p:cTn id="11" dur="500"/>
                                         <p:tgtEl>
                                           <p:spTgt spid="2000797029"/>
                                         </p:tgtEl>
@@ -5886,20 +5887,64 @@
                           </p:cTn>
                         </p:par>
                         <p:par>
-                          <p:cTn id="18" fill="hold">
+                          <p:cTn id="12" fill="hold">
                             <p:stCondLst>
                               <p:cond delay="1000"/>
                             </p:stCondLst>
                             <p:childTnLst>
                               <p:par>
-                                <p:cTn id="19" presetID="10" presetClass="entr" presetSubtype="0" fill="hold" grpId="0" nodeType="afterEffect">
+                                <p:cTn id="13" presetID="10" presetClass="entr" presetSubtype="0" fill="hold" nodeType="afterEffect">
                                   <p:stCondLst>
                                     <p:cond delay="0"/>
                                   </p:stCondLst>
                                   <p:childTnLst>
                                     <p:set>
                                       <p:cBhvr>
-                                        <p:cTn id="21" dur="1" fill="hold">
+                                        <p:cTn id="14" dur="1" fill="hold">
+                                          <p:stCondLst>
+                                            <p:cond delay="0"/>
+                                          </p:stCondLst>
+                                        </p:cTn>
+                                        <p:tgtEl>
+                                          <p:spTgt spid="7"/>
+                                        </p:tgtEl>
+                                        <p:attrNameLst>
+                                          <p:attrName>style.visibility</p:attrName>
+                                        </p:attrNameLst>
+                                      </p:cBhvr>
+                                      <p:to>
+                                        <p:strVal val="visible"/>
+                                      </p:to>
+                                    </p:set>
+                                    <p:animEffect transition="in" filter="fade">
+                                      <p:cBhvr>
+                                        <p:cTn id="15" dur="500"/>
+                                        <p:tgtEl>
+                                          <p:spTgt spid="7"/>
+                                        </p:tgtEl>
+                                      </p:cBhvr>
+                                    </p:animEffect>
+                                  </p:childTnLst>
+                                </p:cTn>
+                              </p:par>
+                            </p:childTnLst>
+                          </p:cTn>
+                        </p:par>
+                        <p:par>
+                          <p:cTn id="16" fill="hold">
+                            <p:stCondLst>
+                              <p:cond delay="1500"/>
+                            </p:stCondLst>
+                            <p:childTnLst>
+                              <p:par>
+                                <p:cTn id="17" presetID="10" presetClass="entr" presetSubtype="0" fill="hold" nodeType="afterEffect">
+                                  <p:stCondLst>
+                                    <p:cond delay="0"/>
+                                  </p:stCondLst>
+                                  <p:childTnLst>
+                                    <p:set>
+                                      <p:cBhvr>
+                                        <p:cTn id="18" dur="1" fill="hold">
                                           <p:stCondLst>
                                             <p:cond delay="0"/>
                                           </p:stCondLst>
@@ -5917,53 +5962,9 @@
                                     </p:set>
                                     <p:animEffect transition="in" filter="fade">
                                       <p:cBhvr>
-                                        <p:cTn id="20" dur="500"/>
+                                        <p:cTn id="19" dur="500"/>
                                         <p:tgtEl>
                                           <p:spTgt spid="342672356"/>
-                                        </p:tgtEl>
-                                      </p:cBhvr>
-                                    </p:animEffect>
-                                  </p:childTnLst>
-                                </p:cTn>
-                              </p:par>
-                            </p:childTnLst>
-                          </p:cTn>
-                        </p:par>
-                        <p:par>
-                          <p:cTn id="14" fill="hold">
-                            <p:stCondLst>
-                              <p:cond delay="1500"/>
-                            </p:stCondLst>
-                            <p:childTnLst>
-                              <p:par>
-                                <p:cTn id="15" presetID="10" presetClass="entr" presetSubtype="0" fill="hold" grpId="0" nodeType="afterEffect">
-                                  <p:stCondLst>
-                                    <p:cond delay="0"/>
-                                  </p:stCondLst>
-                                  <p:childTnLst>
-                                    <p:set>
-                                      <p:cBhvr>
-                                        <p:cTn id="17" dur="1" fill="hold">
-                                          <p:stCondLst>
-                                            <p:cond delay="0"/>
-                                          </p:stCondLst>
-                                        </p:cTn>
-                                        <p:tgtEl>
-                                          <p:spTgt spid="696012218"/>
-                                        </p:tgtEl>
-                                        <p:attrNameLst>
-                                          <p:attrName>style.visibility</p:attrName>
-                                        </p:attrNameLst>
-                                      </p:cBhvr>
-                                      <p:to>
-                                        <p:strVal val="visible"/>
-                                      </p:to>
-                                    </p:set>
-                                    <p:animEffect transition="in" filter="fade">
-                                      <p:cBhvr>
-                                        <p:cTn id="16" dur="500"/>
-                                        <p:tgtEl>
-                                          <p:spTgt spid="696012218"/>
                                         </p:tgtEl>
                                       </p:cBhvr>
                                     </p:animEffect>
@@ -5977,26 +5978,26 @@
                     </p:cTn>
                   </p:par>
                   <p:par>
-                    <p:cTn id="8" fill="hold">
+                    <p:cTn id="20" fill="hold">
                       <p:stCondLst>
                         <p:cond delay="indefinite"/>
                       </p:stCondLst>
                       <p:childTnLst>
                         <p:par>
-                          <p:cTn id="9" fill="hold">
+                          <p:cTn id="21" fill="hold">
                             <p:stCondLst>
                               <p:cond delay="0"/>
                             </p:stCondLst>
                             <p:childTnLst>
                               <p:par>
-                                <p:cTn id="10" presetID="10" presetClass="entr" presetSubtype="0" fill="hold" grpId="0" nodeType="clickEffect">
+                                <p:cTn id="22" presetID="10" presetClass="entr" presetSubtype="0" fill="hold" nodeType="clickEffect">
                                   <p:stCondLst>
                                     <p:cond delay="0"/>
                                   </p:stCondLst>
                                   <p:childTnLst>
                                     <p:set>
                                       <p:cBhvr>
-                                        <p:cTn id="12" dur="1" fill="hold">
+                                        <p:cTn id="23" dur="1" fill="hold">
                                           <p:stCondLst>
                                             <p:cond delay="0"/>
                                           </p:stCondLst>
@@ -6014,7 +6015,7 @@
                                     </p:set>
                                     <p:animEffect transition="in" filter="fade">
                                       <p:cBhvr>
-                                        <p:cTn id="11" dur="500"/>
+                                        <p:cTn id="24" dur="500"/>
                                         <p:tgtEl>
                                           <p:spTgt spid="995386912"/>
                                         </p:tgtEl>
@@ -6030,26 +6031,26 @@
                     </p:cTn>
                   </p:par>
                   <p:par>
-                    <p:cTn id="3" fill="hold">
+                    <p:cTn id="25" fill="hold">
                       <p:stCondLst>
                         <p:cond delay="indefinite"/>
                       </p:stCondLst>
                       <p:childTnLst>
                         <p:par>
-                          <p:cTn id="4" fill="hold">
+                          <p:cTn id="26" fill="hold">
                             <p:stCondLst>
                               <p:cond delay="0"/>
                             </p:stCondLst>
                             <p:childTnLst>
                               <p:par>
-                                <p:cTn id="5" presetID="10" presetClass="entr" presetSubtype="0" fill="hold" grpId="0" nodeType="clickEffect">
+                                <p:cTn id="27" presetID="10" presetClass="entr" presetSubtype="0" fill="hold" nodeType="clickEffect">
                                   <p:stCondLst>
                                     <p:cond delay="0"/>
                                   </p:stCondLst>
                                   <p:childTnLst>
                                     <p:set>
                                       <p:cBhvr>
-                                        <p:cTn id="7" dur="1" fill="hold">
+                                        <p:cTn id="28" dur="1" fill="hold">
                                           <p:stCondLst>
                                             <p:cond delay="0"/>
                                           </p:stCondLst>
@@ -6067,7 +6068,7 @@
                                     </p:set>
                                     <p:animEffect transition="in" filter="fade">
                                       <p:cBhvr>
-                                        <p:cTn id="6" dur="500"/>
+                                        <p:cTn id="29" dur="500"/>
                                         <p:tgtEl>
                                           <p:spTgt spid="385384373"/>
                                         </p:tgtEl>
@@ -6108,13 +6109,14 @@
 </file>
 
 <file path=ppt/slides/slide5.xml><?xml version="1.0" encoding="utf-8"?>
-<p:sld xmlns:a="http://schemas.openxmlformats.org/drawingml/2006/main" xmlns:r="http://schemas.openxmlformats.org/officeDocument/2006/relationships" xmlns:p="http://schemas.openxmlformats.org/presentationml/2006/main" xmlns:m="http://schemas.openxmlformats.org/officeDocument/2006/math" xmlns:w="http://schemas.openxmlformats.org/wordprocessingml/2006/main" xmlns:mc="http://schemas.openxmlformats.org/markup-compatibility/2006" showMasterPhAnim="0" showMasterSp="1" show="1">
-  <p:cSld name="">
+<p:sld xmlns:a="http://schemas.openxmlformats.org/drawingml/2006/main" xmlns:r="http://schemas.openxmlformats.org/officeDocument/2006/relationships" xmlns:p="http://schemas.openxmlformats.org/presentationml/2006/main" showMasterPhAnim="0">
+  <p:cSld>
     <p:bg>
-      <p:bgPr shadeToTitle="0">
+      <p:bgPr>
         <a:solidFill>
           <a:srgbClr val="09090B"/>
         </a:solidFill>
+        <a:effectLst/>
       </p:bgPr>
     </p:bg>
     <p:spTree>
@@ -6133,7 +6135,7 @@
       </p:grpSpPr>
       <p:pic>
         <p:nvPicPr>
-          <p:cNvPr id="1042231891" name=""/>
+          <p:cNvPr id="1042231891" name="Kép 1042231890"/>
           <p:cNvPicPr>
             <a:picLocks noChangeAspect="1"/>
           </p:cNvPicPr>
@@ -6155,7 +6157,7 @@
       </p:pic>
       <p:pic>
         <p:nvPicPr>
-          <p:cNvPr id="594781104" name=""/>
+          <p:cNvPr id="594781104" name="Kép 594781103"/>
           <p:cNvPicPr>
             <a:picLocks noChangeAspect="1"/>
           </p:cNvPicPr>
@@ -6177,7 +6179,7 @@
       </p:pic>
       <p:pic>
         <p:nvPicPr>
-          <p:cNvPr id="1076749577" name=""/>
+          <p:cNvPr id="1076749577" name="Kép 1076749576"/>
           <p:cNvPicPr>
             <a:picLocks noChangeAspect="1"/>
           </p:cNvPicPr>
@@ -6188,7 +6190,7 @@
           <a:stretch/>
         </p:blipFill>
         <p:spPr bwMode="auto">
-          <a:xfrm rot="0" flipH="0" flipV="0">
+          <a:xfrm>
             <a:off x="2330576" y="73151"/>
             <a:ext cx="8183879" cy="1764792"/>
           </a:xfrm>
@@ -6199,7 +6201,7 @@
       </p:pic>
       <p:pic>
         <p:nvPicPr>
-          <p:cNvPr id="1389744412" name=""/>
+          <p:cNvPr id="1389744412" name="Kép 1389744411"/>
           <p:cNvPicPr>
             <a:picLocks noChangeAspect="1"/>
           </p:cNvPicPr>
@@ -6221,7 +6223,7 @@
       </p:pic>
       <p:pic>
         <p:nvPicPr>
-          <p:cNvPr id="317424924" name=""/>
+          <p:cNvPr id="317424924" name="Kép 317424923"/>
           <p:cNvPicPr>
             <a:picLocks noChangeAspect="1"/>
           </p:cNvPicPr>
@@ -6232,8 +6234,8 @@
           <a:stretch/>
         </p:blipFill>
         <p:spPr bwMode="auto">
-          <a:xfrm flipH="0" flipV="0">
-            <a:off x="86602" y="5452377"/>
+          <a:xfrm>
+            <a:off x="53215" y="4778194"/>
             <a:ext cx="3762472" cy="1262747"/>
           </a:xfrm>
           <a:prstGeom prst="rect">
@@ -6243,7 +6245,7 @@
       </p:pic>
       <p:pic>
         <p:nvPicPr>
-          <p:cNvPr id="847452718" name=""/>
+          <p:cNvPr id="847452718" name="Kép 847452717"/>
           <p:cNvPicPr>
             <a:picLocks noChangeAspect="1"/>
           </p:cNvPicPr>
@@ -6254,8 +6256,8 @@
           <a:stretch/>
         </p:blipFill>
         <p:spPr bwMode="auto">
-          <a:xfrm flipH="0" flipV="0">
-            <a:off x="8775127" y="4265824"/>
+          <a:xfrm>
+            <a:off x="8775127" y="4431196"/>
             <a:ext cx="3478658" cy="1956745"/>
           </a:xfrm>
           <a:prstGeom prst="rect">
@@ -6265,7 +6267,7 @@
       </p:pic>
       <p:pic>
         <p:nvPicPr>
-          <p:cNvPr id="1614579584" name=""/>
+          <p:cNvPr id="1614579584" name="Kép 1614579583"/>
           <p:cNvPicPr>
             <a:picLocks noChangeAspect="1"/>
           </p:cNvPicPr>
@@ -6276,8 +6278,8 @@
           <a:stretch/>
         </p:blipFill>
         <p:spPr bwMode="auto">
-          <a:xfrm flipH="0" flipV="0">
-            <a:off x="7188113" y="4251479"/>
+          <a:xfrm>
+            <a:off x="7188113" y="4416851"/>
             <a:ext cx="1985435" cy="1985435"/>
           </a:xfrm>
           <a:prstGeom prst="rect">
@@ -6287,7 +6289,7 @@
       </p:pic>
       <p:pic>
         <p:nvPicPr>
-          <p:cNvPr id="2082760202" name=""/>
+          <p:cNvPr id="2082760202" name="Kép 2082760201"/>
           <p:cNvPicPr>
             <a:picLocks noChangeAspect="1"/>
           </p:cNvPicPr>
@@ -6298,7 +6300,7 @@
           <a:stretch/>
         </p:blipFill>
         <p:spPr bwMode="auto">
-          <a:xfrm flipH="0" flipV="0">
+          <a:xfrm>
             <a:off x="9619297" y="2076640"/>
             <a:ext cx="1790318" cy="1790318"/>
           </a:xfrm>
@@ -6312,13 +6314,13 @@
   <p:clrMapOvr>
     <a:masterClrMapping/>
   </p:clrMapOvr>
-  <mc:AlternateContent xmlns:mc="http://schemas.openxmlformats.org/markup-compatibility/2006">
-    <mc:Choice xmlns:p159="http://schemas.microsoft.com/office/powerpoint/2015/09/main" xmlns:p14="http://schemas.microsoft.com/office/powerpoint/2010/main" Requires="p159">
-      <p:transition spd="med" p14:dur="500" advClick="1">
-        <p:fade thruBlk="0"/>
+  <mc:AlternateContent xmlns:mc="http://schemas.openxmlformats.org/markup-compatibility/2006" xmlns:p159="http://schemas.microsoft.com/office/powerpoint/2015/09/main">
+    <mc:Choice Requires="p159">
+      <p:transition>
+        <p:fade/>
       </p:transition>
     </mc:Choice>
-    <mc:Fallback>
+    <mc:Fallback xmlns="" xmlns:m="http://schemas.openxmlformats.org/officeDocument/2006/math" xmlns:w="http://schemas.openxmlformats.org/wordprocessingml/2006/main">
       <p:transition spd="med" advClick="1">
         <p:fade thruBlk="0"/>
       </p:transition>
@@ -6333,7 +6335,7 @@
               <p:cTn id="2" dur="indefinite" nodeType="mainSeq">
                 <p:childTnLst>
                   <p:par>
-                    <p:cTn id="20" fill="hold">
+                    <p:cTn id="3" fill="hold">
                       <p:stCondLst>
                         <p:cond delay="indefinite"/>
                         <p:cond evt="begin" delay="0">
@@ -6342,20 +6344,20 @@
                       </p:stCondLst>
                       <p:childTnLst>
                         <p:par>
-                          <p:cTn id="32" fill="hold">
+                          <p:cTn id="4" fill="hold">
                             <p:stCondLst>
                               <p:cond delay="0"/>
                             </p:stCondLst>
                             <p:childTnLst>
                               <p:par>
-                                <p:cTn id="33" presetID="10" presetClass="entr" presetSubtype="0" fill="hold" grpId="0" nodeType="afterEffect">
+                                <p:cTn id="5" presetID="10" presetClass="entr" presetSubtype="0" fill="hold" nodeType="afterEffect">
                                   <p:stCondLst>
                                     <p:cond delay="0"/>
                                   </p:stCondLst>
                                   <p:childTnLst>
                                     <p:set>
                                       <p:cBhvr>
-                                        <p:cTn id="35" dur="1" fill="hold">
+                                        <p:cTn id="6" dur="1" fill="hold">
                                           <p:stCondLst>
                                             <p:cond delay="0"/>
                                           </p:stCondLst>
@@ -6373,7 +6375,7 @@
                                     </p:set>
                                     <p:animEffect transition="in" filter="fade">
                                       <p:cBhvr>
-                                        <p:cTn id="34" dur="500"/>
+                                        <p:cTn id="7" dur="500"/>
                                         <p:tgtEl>
                                           <p:spTgt spid="1076749577"/>
                                         </p:tgtEl>
@@ -6386,20 +6388,20 @@
                           </p:cTn>
                         </p:par>
                         <p:par>
-                          <p:cTn id="25" fill="hold">
+                          <p:cTn id="8" fill="hold">
                             <p:stCondLst>
                               <p:cond delay="500"/>
                             </p:stCondLst>
                             <p:childTnLst>
                               <p:par>
-                                <p:cTn id="29" presetID="10" presetClass="entr" presetSubtype="0" fill="hold" grpId="0" nodeType="afterEffect">
+                                <p:cTn id="9" presetID="10" presetClass="entr" presetSubtype="0" fill="hold" nodeType="afterEffect">
                                   <p:stCondLst>
                                     <p:cond delay="0"/>
                                   </p:stCondLst>
                                   <p:childTnLst>
                                     <p:set>
                                       <p:cBhvr>
-                                        <p:cTn id="31" dur="1" fill="hold">
+                                        <p:cTn id="10" dur="1" fill="hold">
                                           <p:stCondLst>
                                             <p:cond delay="0"/>
                                           </p:stCondLst>
@@ -6417,7 +6419,7 @@
                                     </p:set>
                                     <p:animEffect transition="in" filter="fade">
                                       <p:cBhvr>
-                                        <p:cTn id="30" dur="500"/>
+                                        <p:cTn id="11" dur="500"/>
                                         <p:tgtEl>
                                           <p:spTgt spid="594781104"/>
                                         </p:tgtEl>
@@ -6427,14 +6429,14 @@
                                 </p:cTn>
                               </p:par>
                               <p:par>
-                                <p:cTn id="26" presetID="10" presetClass="entr" presetSubtype="0" fill="hold" grpId="0" nodeType="withEffect">
+                                <p:cTn id="12" presetID="10" presetClass="entr" presetSubtype="0" fill="hold" nodeType="withEffect">
                                   <p:stCondLst>
                                     <p:cond delay="0"/>
                                   </p:stCondLst>
                                   <p:childTnLst>
                                     <p:set>
                                       <p:cBhvr>
-                                        <p:cTn id="28" dur="1" fill="hold">
+                                        <p:cTn id="13" dur="1" fill="hold">
                                           <p:stCondLst>
                                             <p:cond delay="0"/>
                                           </p:stCondLst>
@@ -6452,7 +6454,7 @@
                                     </p:set>
                                     <p:animEffect transition="in" filter="fade">
                                       <p:cBhvr>
-                                        <p:cTn id="27" dur="500"/>
+                                        <p:cTn id="14" dur="500"/>
                                         <p:tgtEl>
                                           <p:spTgt spid="1389744412"/>
                                         </p:tgtEl>
@@ -6465,20 +6467,20 @@
                           </p:cTn>
                         </p:par>
                         <p:par>
-                          <p:cTn id="21" fill="hold">
+                          <p:cTn id="15" fill="hold">
                             <p:stCondLst>
                               <p:cond delay="1000"/>
                             </p:stCondLst>
                             <p:childTnLst>
                               <p:par>
-                                <p:cTn id="22" presetID="10" presetClass="entr" presetSubtype="0" fill="hold" grpId="0" nodeType="afterEffect">
+                                <p:cTn id="16" presetID="10" presetClass="entr" presetSubtype="0" fill="hold" nodeType="afterEffect">
                                   <p:stCondLst>
                                     <p:cond delay="0"/>
                                   </p:stCondLst>
                                   <p:childTnLst>
                                     <p:set>
                                       <p:cBhvr>
-                                        <p:cTn id="24" dur="1" fill="hold">
+                                        <p:cTn id="17" dur="1" fill="hold">
                                           <p:stCondLst>
                                             <p:cond delay="0"/>
                                           </p:stCondLst>
@@ -6496,7 +6498,7 @@
                                     </p:set>
                                     <p:animEffect transition="in" filter="fade">
                                       <p:cBhvr>
-                                        <p:cTn id="23" dur="500"/>
+                                        <p:cTn id="18" dur="500"/>
                                         <p:tgtEl>
                                           <p:spTgt spid="2082760202"/>
                                         </p:tgtEl>
@@ -6512,26 +6514,26 @@
                     </p:cTn>
                   </p:par>
                   <p:par>
-                    <p:cTn id="3" fill="hold">
+                    <p:cTn id="19" fill="hold">
                       <p:stCondLst>
                         <p:cond delay="indefinite"/>
                       </p:stCondLst>
                       <p:childTnLst>
                         <p:par>
-                          <p:cTn id="16" fill="hold">
+                          <p:cTn id="20" fill="hold">
                             <p:stCondLst>
                               <p:cond delay="0"/>
                             </p:stCondLst>
                             <p:childTnLst>
                               <p:par>
-                                <p:cTn id="17" presetID="10" presetClass="entr" presetSubtype="0" fill="hold" grpId="0" nodeType="clickEffect">
+                                <p:cTn id="21" presetID="10" presetClass="entr" presetSubtype="0" fill="hold" nodeType="clickEffect">
                                   <p:stCondLst>
                                     <p:cond delay="0"/>
                                   </p:stCondLst>
                                   <p:childTnLst>
                                     <p:set>
                                       <p:cBhvr>
-                                        <p:cTn id="19" dur="1" fill="hold">
+                                        <p:cTn id="22" dur="1" fill="hold">
                                           <p:stCondLst>
                                             <p:cond delay="0"/>
                                           </p:stCondLst>
@@ -6549,7 +6551,7 @@
                                     </p:set>
                                     <p:animEffect transition="in" filter="fade">
                                       <p:cBhvr>
-                                        <p:cTn id="18" dur="500"/>
+                                        <p:cTn id="23" dur="500"/>
                                         <p:tgtEl>
                                           <p:spTgt spid="1042231891"/>
                                         </p:tgtEl>
@@ -6562,20 +6564,20 @@
                           </p:cTn>
                         </p:par>
                         <p:par>
-                          <p:cTn id="12" fill="hold">
+                          <p:cTn id="24" fill="hold">
                             <p:stCondLst>
                               <p:cond delay="500"/>
                             </p:stCondLst>
                             <p:childTnLst>
                               <p:par>
-                                <p:cTn id="13" presetID="10" presetClass="entr" presetSubtype="0" fill="hold" grpId="0" nodeType="afterEffect">
+                                <p:cTn id="25" presetID="10" presetClass="entr" presetSubtype="0" fill="hold" nodeType="afterEffect">
                                   <p:stCondLst>
                                     <p:cond delay="0"/>
                                   </p:stCondLst>
                                   <p:childTnLst>
                                     <p:set>
                                       <p:cBhvr>
-                                        <p:cTn id="15" dur="1" fill="hold">
+                                        <p:cTn id="26" dur="1" fill="hold">
                                           <p:stCondLst>
                                             <p:cond delay="0"/>
                                           </p:stCondLst>
@@ -6593,7 +6595,7 @@
                                     </p:set>
                                     <p:animEffect transition="in" filter="fade">
                                       <p:cBhvr>
-                                        <p:cTn id="14" dur="500"/>
+                                        <p:cTn id="27" dur="500"/>
                                         <p:tgtEl>
                                           <p:spTgt spid="847452718"/>
                                         </p:tgtEl>
@@ -6606,20 +6608,20 @@
                           </p:cTn>
                         </p:par>
                         <p:par>
-                          <p:cTn id="8" fill="hold">
+                          <p:cTn id="28" fill="hold">
                             <p:stCondLst>
                               <p:cond delay="1000"/>
                             </p:stCondLst>
                             <p:childTnLst>
                               <p:par>
-                                <p:cTn id="9" presetID="10" presetClass="entr" presetSubtype="0" fill="hold" grpId="0" nodeType="afterEffect">
+                                <p:cTn id="29" presetID="10" presetClass="entr" presetSubtype="0" fill="hold" nodeType="afterEffect">
                                   <p:stCondLst>
                                     <p:cond delay="0"/>
                                   </p:stCondLst>
                                   <p:childTnLst>
                                     <p:set>
                                       <p:cBhvr>
-                                        <p:cTn id="11" dur="1" fill="hold">
+                                        <p:cTn id="30" dur="1" fill="hold">
                                           <p:stCondLst>
                                             <p:cond delay="0"/>
                                           </p:stCondLst>
@@ -6637,7 +6639,7 @@
                                     </p:set>
                                     <p:animEffect transition="in" filter="fade">
                                       <p:cBhvr>
-                                        <p:cTn id="10" dur="500"/>
+                                        <p:cTn id="31" dur="500"/>
                                         <p:tgtEl>
                                           <p:spTgt spid="1614579584"/>
                                         </p:tgtEl>
@@ -6650,20 +6652,20 @@
                           </p:cTn>
                         </p:par>
                         <p:par>
-                          <p:cTn id="4" fill="hold">
+                          <p:cTn id="32" fill="hold">
                             <p:stCondLst>
                               <p:cond delay="1500"/>
                             </p:stCondLst>
                             <p:childTnLst>
                               <p:par>
-                                <p:cTn id="5" presetID="10" presetClass="entr" presetSubtype="0" fill="hold" grpId="0" nodeType="afterEffect">
+                                <p:cTn id="33" presetID="10" presetClass="entr" presetSubtype="0" fill="hold" nodeType="afterEffect">
                                   <p:stCondLst>
                                     <p:cond delay="0"/>
                                   </p:stCondLst>
                                   <p:childTnLst>
                                     <p:set>
                                       <p:cBhvr>
-                                        <p:cTn id="7" dur="1" fill="hold">
+                                        <p:cTn id="34" dur="1" fill="hold">
                                           <p:stCondLst>
                                             <p:cond delay="0"/>
                                           </p:stCondLst>
@@ -6681,7 +6683,7 @@
                                     </p:set>
                                     <p:animEffect transition="in" filter="fade">
                                       <p:cBhvr>
-                                        <p:cTn id="6" dur="500"/>
+                                        <p:cTn id="35" dur="500"/>
                                         <p:tgtEl>
                                           <p:spTgt spid="317424924"/>
                                         </p:tgtEl>
@@ -6722,8 +6724,8 @@
 </file>
 
 <file path=ppt/slides/slide6.xml><?xml version="1.0" encoding="utf-8"?>
-<p:sld xmlns:a="http://schemas.openxmlformats.org/drawingml/2006/main" xmlns:r="http://schemas.openxmlformats.org/officeDocument/2006/relationships" xmlns:p="http://schemas.openxmlformats.org/presentationml/2006/main" xmlns:m="http://schemas.openxmlformats.org/officeDocument/2006/math" xmlns:w="http://schemas.openxmlformats.org/wordprocessingml/2006/main" xmlns:mc="http://schemas.openxmlformats.org/markup-compatibility/2006" showMasterPhAnim="0" showMasterSp="1" show="1">
-  <p:cSld name="">
+<p:sld xmlns:a="http://schemas.openxmlformats.org/drawingml/2006/main" xmlns:r="http://schemas.openxmlformats.org/officeDocument/2006/relationships" xmlns:p="http://schemas.openxmlformats.org/presentationml/2006/main" showMasterPhAnim="0">
+  <p:cSld>
     <p:spTree>
       <p:nvGrpSpPr>
         <p:cNvPr id="1" name=""/>
@@ -6740,7 +6742,7 @@
       </p:grpSpPr>
       <p:pic>
         <p:nvPicPr>
-          <p:cNvPr id="1480380514" name=""/>
+          <p:cNvPr id="1480380514" name="Kép 1480380513"/>
           <p:cNvPicPr>
             <a:picLocks noChangeAspect="1"/>
           </p:cNvPicPr>
@@ -6751,7 +6753,7 @@
           <a:stretch/>
         </p:blipFill>
         <p:spPr bwMode="auto">
-          <a:xfrm flipH="0" flipV="0">
+          <a:xfrm>
             <a:off x="2508944" y="1864276"/>
             <a:ext cx="7174110" cy="2228849"/>
           </a:xfrm>
@@ -6762,7 +6764,7 @@
       </p:pic>
       <p:pic>
         <p:nvPicPr>
-          <p:cNvPr id="1078674000" name=""/>
+          <p:cNvPr id="1078674000" name="Kép 1078673999"/>
           <p:cNvPicPr>
             <a:picLocks noChangeAspect="1"/>
           </p:cNvPicPr>
@@ -6773,7 +6775,7 @@
           <a:stretch/>
         </p:blipFill>
         <p:spPr bwMode="auto">
-          <a:xfrm flipH="0" flipV="0">
+          <a:xfrm>
             <a:off x="3685199" y="3847582"/>
             <a:ext cx="4821599" cy="491088"/>
           </a:xfrm>
@@ -6787,13 +6789,13 @@
   <p:clrMapOvr>
     <a:masterClrMapping/>
   </p:clrMapOvr>
-  <mc:AlternateContent xmlns:mc="http://schemas.openxmlformats.org/markup-compatibility/2006">
-    <mc:Choice xmlns:p159="http://schemas.microsoft.com/office/powerpoint/2015/09/main" xmlns:p14="http://schemas.microsoft.com/office/powerpoint/2010/main" Requires="p159">
-      <p:transition spd="med" p14:dur="500" advClick="1">
-        <p:fade thruBlk="0"/>
+  <mc:AlternateContent xmlns:mc="http://schemas.openxmlformats.org/markup-compatibility/2006" xmlns:p159="http://schemas.microsoft.com/office/powerpoint/2015/09/main">
+    <mc:Choice Requires="p159">
+      <p:transition>
+        <p:fade/>
       </p:transition>
     </mc:Choice>
-    <mc:Fallback>
+    <mc:Fallback xmlns="" xmlns:m="http://schemas.openxmlformats.org/officeDocument/2006/math" xmlns:w="http://schemas.openxmlformats.org/wordprocessingml/2006/main">
       <p:transition spd="med" advClick="1">
         <p:fade thruBlk="0"/>
       </p:transition>
@@ -6817,20 +6819,20 @@
                       </p:stCondLst>
                       <p:childTnLst>
                         <p:par>
-                          <p:cTn id="8" fill="hold">
+                          <p:cTn id="4" fill="hold">
                             <p:stCondLst>
                               <p:cond delay="0"/>
                             </p:stCondLst>
                             <p:childTnLst>
                               <p:par>
-                                <p:cTn id="9" presetID="10" presetClass="entr" presetSubtype="0" fill="hold" grpId="0" nodeType="afterEffect">
+                                <p:cTn id="5" presetID="10" presetClass="entr" presetSubtype="0" fill="hold" nodeType="afterEffect">
                                   <p:stCondLst>
                                     <p:cond delay="0"/>
                                   </p:stCondLst>
                                   <p:childTnLst>
                                     <p:set>
                                       <p:cBhvr>
-                                        <p:cTn id="11" dur="1" fill="hold">
+                                        <p:cTn id="6" dur="1" fill="hold">
                                           <p:stCondLst>
                                             <p:cond delay="0"/>
                                           </p:stCondLst>
@@ -6848,7 +6850,7 @@
                                     </p:set>
                                     <p:animEffect transition="in" filter="fade">
                                       <p:cBhvr>
-                                        <p:cTn id="10" dur="500"/>
+                                        <p:cTn id="7" dur="500"/>
                                         <p:tgtEl>
                                           <p:spTgt spid="1480380514"/>
                                         </p:tgtEl>
@@ -6861,20 +6863,20 @@
                           </p:cTn>
                         </p:par>
                         <p:par>
-                          <p:cTn id="4" fill="hold">
+                          <p:cTn id="8" fill="hold">
                             <p:stCondLst>
                               <p:cond delay="500"/>
                             </p:stCondLst>
                             <p:childTnLst>
                               <p:par>
-                                <p:cTn id="5" presetID="10" presetClass="entr" presetSubtype="0" fill="hold" grpId="0" nodeType="afterEffect">
+                                <p:cTn id="9" presetID="10" presetClass="entr" presetSubtype="0" fill="hold" nodeType="afterEffect">
                                   <p:stCondLst>
                                     <p:cond delay="0"/>
                                   </p:stCondLst>
                                   <p:childTnLst>
                                     <p:set>
                                       <p:cBhvr>
-                                        <p:cTn id="7" dur="1" fill="hold">
+                                        <p:cTn id="10" dur="1" fill="hold">
                                           <p:stCondLst>
                                             <p:cond delay="0"/>
                                           </p:stCondLst>
@@ -6892,7 +6894,7 @@
                                     </p:set>
                                     <p:animEffect transition="in" filter="fade">
                                       <p:cBhvr>
-                                        <p:cTn id="6" dur="500"/>
+                                        <p:cTn id="11" dur="500"/>
                                         <p:tgtEl>
                                           <p:spTgt spid="1078674000"/>
                                         </p:tgtEl>
@@ -6933,8 +6935,8 @@
 </file>
 
 <file path=ppt/slides/slide7.xml><?xml version="1.0" encoding="utf-8"?>
-<p:sld xmlns:a="http://schemas.openxmlformats.org/drawingml/2006/main" xmlns:r="http://schemas.openxmlformats.org/officeDocument/2006/relationships" xmlns:p="http://schemas.openxmlformats.org/presentationml/2006/main" xmlns:m="http://schemas.openxmlformats.org/officeDocument/2006/math" xmlns:w="http://schemas.openxmlformats.org/wordprocessingml/2006/main" xmlns:mc="http://schemas.openxmlformats.org/markup-compatibility/2006" showMasterPhAnim="0" showMasterSp="1" show="1">
-  <p:cSld name="">
+<p:sld xmlns:a="http://schemas.openxmlformats.org/drawingml/2006/main" xmlns:r="http://schemas.openxmlformats.org/officeDocument/2006/relationships" xmlns:p="http://schemas.openxmlformats.org/presentationml/2006/main" showMasterPhAnim="0">
+  <p:cSld>
     <p:spTree>
       <p:nvGrpSpPr>
         <p:cNvPr id="1" name=""/>
@@ -6951,7 +6953,7 @@
       </p:grpSpPr>
       <p:pic>
         <p:nvPicPr>
-          <p:cNvPr id="525624400" name=""/>
+          <p:cNvPr id="525624400" name="Kép 525624399"/>
           <p:cNvPicPr>
             <a:picLocks noChangeAspect="1"/>
           </p:cNvPicPr>
@@ -6962,7 +6964,7 @@
           <a:stretch/>
         </p:blipFill>
         <p:spPr bwMode="auto">
-          <a:xfrm flipH="0" flipV="0">
+          <a:xfrm>
             <a:off x="2638871" y="1828799"/>
             <a:ext cx="6914256" cy="1657350"/>
           </a:xfrm>
@@ -6973,7 +6975,7 @@
       </p:pic>
       <p:pic>
         <p:nvPicPr>
-          <p:cNvPr id="329049231" name=""/>
+          <p:cNvPr id="329049231" name="Kép 329049230"/>
           <p:cNvPicPr>
             <a:picLocks noChangeAspect="1"/>
           </p:cNvPicPr>
@@ -6984,7 +6986,7 @@
           <a:stretch/>
         </p:blipFill>
         <p:spPr bwMode="auto">
-          <a:xfrm flipH="0" flipV="0">
+          <a:xfrm>
             <a:off x="2820143" y="3333749"/>
             <a:ext cx="6551711" cy="1657350"/>
           </a:xfrm>
@@ -6998,13 +7000,13 @@
   <p:clrMapOvr>
     <a:masterClrMapping/>
   </p:clrMapOvr>
-  <mc:AlternateContent xmlns:mc="http://schemas.openxmlformats.org/markup-compatibility/2006">
-    <mc:Choice xmlns:p159="http://schemas.microsoft.com/office/powerpoint/2015/09/main" xmlns:p14="http://schemas.microsoft.com/office/powerpoint/2010/main" Requires="p159">
-      <p:transition spd="med" p14:dur="500" advClick="1">
-        <p:fade thruBlk="0"/>
+  <mc:AlternateContent xmlns:mc="http://schemas.openxmlformats.org/markup-compatibility/2006" xmlns:p159="http://schemas.microsoft.com/office/powerpoint/2015/09/main">
+    <mc:Choice Requires="p159">
+      <p:transition>
+        <p:fade/>
       </p:transition>
     </mc:Choice>
-    <mc:Fallback>
+    <mc:Fallback xmlns="" xmlns:m="http://schemas.openxmlformats.org/officeDocument/2006/math" xmlns:w="http://schemas.openxmlformats.org/wordprocessingml/2006/main">
       <p:transition spd="med" advClick="1">
         <p:fade thruBlk="0"/>
       </p:transition>
@@ -7028,20 +7030,20 @@
                       </p:stCondLst>
                       <p:childTnLst>
                         <p:par>
-                          <p:cTn id="8" fill="hold">
+                          <p:cTn id="4" fill="hold">
                             <p:stCondLst>
                               <p:cond delay="0"/>
                             </p:stCondLst>
                             <p:childTnLst>
                               <p:par>
-                                <p:cTn id="9" presetID="10" presetClass="entr" presetSubtype="0" fill="hold" grpId="0" nodeType="afterEffect">
+                                <p:cTn id="5" presetID="10" presetClass="entr" presetSubtype="0" fill="hold" nodeType="afterEffect">
                                   <p:stCondLst>
                                     <p:cond delay="0"/>
                                   </p:stCondLst>
                                   <p:childTnLst>
                                     <p:set>
                                       <p:cBhvr>
-                                        <p:cTn id="11" dur="1" fill="hold">
+                                        <p:cTn id="6" dur="1" fill="hold">
                                           <p:stCondLst>
                                             <p:cond delay="0"/>
                                           </p:stCondLst>
@@ -7059,7 +7061,7 @@
                                     </p:set>
                                     <p:animEffect transition="in" filter="fade">
                                       <p:cBhvr>
-                                        <p:cTn id="10" dur="500"/>
+                                        <p:cTn id="7" dur="500"/>
                                         <p:tgtEl>
                                           <p:spTgt spid="525624400"/>
                                         </p:tgtEl>
@@ -7072,20 +7074,20 @@
                           </p:cTn>
                         </p:par>
                         <p:par>
-                          <p:cTn id="4" fill="hold">
+                          <p:cTn id="8" fill="hold">
                             <p:stCondLst>
                               <p:cond delay="500"/>
                             </p:stCondLst>
                             <p:childTnLst>
                               <p:par>
-                                <p:cTn id="5" presetID="10" presetClass="entr" presetSubtype="0" fill="hold" grpId="0" nodeType="afterEffect">
+                                <p:cTn id="9" presetID="10" presetClass="entr" presetSubtype="0" fill="hold" nodeType="afterEffect">
                                   <p:stCondLst>
                                     <p:cond delay="0"/>
                                   </p:stCondLst>
                                   <p:childTnLst>
                                     <p:set>
                                       <p:cBhvr>
-                                        <p:cTn id="7" dur="1" fill="hold">
+                                        <p:cTn id="10" dur="1" fill="hold">
                                           <p:stCondLst>
                                             <p:cond delay="0"/>
                                           </p:stCondLst>
@@ -7103,7 +7105,7 @@
                                     </p:set>
                                     <p:animEffect transition="in" filter="fade">
                                       <p:cBhvr>
-                                        <p:cTn id="6" dur="500"/>
+                                        <p:cTn id="11" dur="500"/>
                                         <p:tgtEl>
                                           <p:spTgt spid="329049231"/>
                                         </p:tgtEl>
@@ -7144,7 +7146,7 @@
 </file>
 
 <file path=ppt/theme/theme1.xml><?xml version="1.0" encoding="utf-8"?>
-<a:theme xmlns:a="http://schemas.openxmlformats.org/drawingml/2006/main" xmlns:r="http://schemas.openxmlformats.org/officeDocument/2006/relationships" xmlns:p="http://schemas.openxmlformats.org/presentationml/2006/main" name="Office Theme">
+<a:theme xmlns:a="http://schemas.openxmlformats.org/drawingml/2006/main" name="Office Theme">
   <a:themeElements>
     <a:clrScheme name="New Office">
       <a:dk1>
@@ -7335,11 +7337,12 @@
     </a:fmtScheme>
   </a:themeElements>
   <a:objectDefaults/>
+  <a:extraClrSchemeLst/>
 </a:theme>
 </file>
 
 <file path=ppt/theme/theme2.xml><?xml version="1.0" encoding="utf-8"?>
-<a:theme xmlns:a="http://schemas.openxmlformats.org/drawingml/2006/main" xmlns:r="http://schemas.openxmlformats.org/officeDocument/2006/relationships" xmlns:p="http://schemas.openxmlformats.org/presentationml/2006/main" name="Office Theme">
+<a:theme xmlns:a="http://schemas.openxmlformats.org/drawingml/2006/main" name="Office Theme">
   <a:themeElements>
     <a:clrScheme name="Office">
       <a:dk1>
@@ -7530,5 +7533,6 @@
     </a:fmtScheme>
   </a:themeElements>
   <a:objectDefaults/>
+  <a:extraClrSchemeLst/>
 </a:theme>
 </file>